--- a/doc/第二阶段课堂展示/第二阶段课堂展示.pptx
+++ b/doc/第二阶段课堂展示/第二阶段课堂展示.pptx
@@ -5,17 +5,18 @@
     <p:sldMasterId id="2147483648" r:id="rId1"/>
   </p:sldMasterIdLst>
   <p:notesMasterIdLst>
-    <p:notesMasterId r:id="rId10"/>
+    <p:notesMasterId r:id="rId11"/>
   </p:notesMasterIdLst>
   <p:sldIdLst>
     <p:sldId id="256" r:id="rId2"/>
     <p:sldId id="257" r:id="rId3"/>
     <p:sldId id="259" r:id="rId4"/>
     <p:sldId id="282" r:id="rId5"/>
-    <p:sldId id="283" r:id="rId6"/>
-    <p:sldId id="284" r:id="rId7"/>
-    <p:sldId id="285" r:id="rId8"/>
-    <p:sldId id="260" r:id="rId9"/>
+    <p:sldId id="286" r:id="rId6"/>
+    <p:sldId id="283" r:id="rId7"/>
+    <p:sldId id="284" r:id="rId8"/>
+    <p:sldId id="285" r:id="rId9"/>
+    <p:sldId id="260" r:id="rId10"/>
   </p:sldIdLst>
   <p:sldSz cx="9144000" cy="5143500" type="screen16x9"/>
   <p:notesSz cx="6858000" cy="9144000"/>
@@ -6215,6 +6216,100 @@
       </p:grpSpPr>
       <p:sp>
         <p:nvSpPr>
+          <p:cNvPr id="2" name="标题 1">
+            <a:extLst>
+              <a:ext uri="{FF2B5EF4-FFF2-40B4-BE49-F238E27FC236}">
+                <a16:creationId xmlns:a16="http://schemas.microsoft.com/office/drawing/2014/main" id="{54869CAB-FF17-419D-BC24-DFC8660280C2}"/>
+              </a:ext>
+            </a:extLst>
+          </p:cNvPr>
+          <p:cNvSpPr>
+            <a:spLocks noGrp="1"/>
+          </p:cNvSpPr>
+          <p:nvPr>
+            <p:ph type="title"/>
+          </p:nvPr>
+        </p:nvSpPr>
+        <p:spPr/>
+        <p:txBody>
+          <a:bodyPr/>
+          <a:lstStyle/>
+          <a:p>
+            <a:r>
+              <a:rPr lang="zh-CN" altLang="en-US" dirty="0"/>
+              <a:t>用况图</a:t>
+            </a:r>
+            <a:endParaRPr lang="en-US" dirty="0"/>
+          </a:p>
+        </p:txBody>
+      </p:sp>
+      <p:pic>
+        <p:nvPicPr>
+          <p:cNvPr id="5" name="内容占位符 4">
+            <a:extLst>
+              <a:ext uri="{FF2B5EF4-FFF2-40B4-BE49-F238E27FC236}">
+                <a16:creationId xmlns:a16="http://schemas.microsoft.com/office/drawing/2014/main" id="{556D92F4-45D0-488E-B063-F3428913BED0}"/>
+              </a:ext>
+            </a:extLst>
+          </p:cNvPr>
+          <p:cNvPicPr>
+            <a:picLocks noGrp="1" noChangeAspect="1"/>
+          </p:cNvPicPr>
+          <p:nvPr>
+            <p:ph idx="1"/>
+          </p:nvPr>
+        </p:nvPicPr>
+        <p:blipFill>
+          <a:blip r:embed="rId2" cstate="print">
+            <a:extLst>
+              <a:ext uri="{28A0092B-C50C-407E-A947-70E740481C1C}">
+                <a14:useLocalDpi xmlns:a14="http://schemas.microsoft.com/office/drawing/2010/main" val="0"/>
+              </a:ext>
+            </a:extLst>
+          </a:blip>
+          <a:stretch>
+            <a:fillRect/>
+          </a:stretch>
+        </p:blipFill>
+        <p:spPr>
+          <a:xfrm>
+            <a:off x="3655770" y="1147308"/>
+            <a:ext cx="4078122" cy="3690267"/>
+          </a:xfrm>
+        </p:spPr>
+      </p:pic>
+    </p:spTree>
+    <p:extLst>
+      <p:ext uri="{BB962C8B-B14F-4D97-AF65-F5344CB8AC3E}">
+        <p14:creationId xmlns:p14="http://schemas.microsoft.com/office/powerpoint/2010/main" val="2451724335"/>
+      </p:ext>
+    </p:extLst>
+  </p:cSld>
+  <p:clrMapOvr>
+    <a:masterClrMapping/>
+  </p:clrMapOvr>
+</p:sld>
+</file>
+
+<file path=ppt/slides/slide6.xml><?xml version="1.0" encoding="utf-8"?>
+<p:sld xmlns:a="http://schemas.openxmlformats.org/drawingml/2006/main" xmlns:r="http://schemas.openxmlformats.org/officeDocument/2006/relationships" xmlns:p="http://schemas.openxmlformats.org/presentationml/2006/main">
+  <p:cSld>
+    <p:spTree>
+      <p:nvGrpSpPr>
+        <p:cNvPr id="1" name=""/>
+        <p:cNvGrpSpPr/>
+        <p:nvPr/>
+      </p:nvGrpSpPr>
+      <p:grpSpPr>
+        <a:xfrm>
+          <a:off x="0" y="0"/>
+          <a:ext cx="0" cy="0"/>
+          <a:chOff x="0" y="0"/>
+          <a:chExt cx="0" cy="0"/>
+        </a:xfrm>
+      </p:grpSpPr>
+      <p:sp>
+        <p:nvSpPr>
           <p:cNvPr id="2" name="Title 1"/>
           <p:cNvSpPr>
             <a:spLocks noGrp="1"/>
@@ -6351,7 +6446,7 @@
 </p:sld>
 </file>
 
-<file path=ppt/slides/slide6.xml><?xml version="1.0" encoding="utf-8"?>
+<file path=ppt/slides/slide7.xml><?xml version="1.0" encoding="utf-8"?>
 <p:sld xmlns:a="http://schemas.openxmlformats.org/drawingml/2006/main" xmlns:r="http://schemas.openxmlformats.org/officeDocument/2006/relationships" xmlns:p="http://schemas.openxmlformats.org/presentationml/2006/main">
   <p:cSld>
     <p:spTree>
@@ -6511,7 +6606,7 @@
 </p:sld>
 </file>
 
-<file path=ppt/slides/slide7.xml><?xml version="1.0" encoding="utf-8"?>
+<file path=ppt/slides/slide8.xml><?xml version="1.0" encoding="utf-8"?>
 <p:sld xmlns:a="http://schemas.openxmlformats.org/drawingml/2006/main" xmlns:r="http://schemas.openxmlformats.org/officeDocument/2006/relationships" xmlns:p="http://schemas.openxmlformats.org/presentationml/2006/main">
   <p:cSld>
     <p:spTree>
@@ -6605,7 +6700,7 @@
 </p:sld>
 </file>
 
-<file path=ppt/slides/slide8.xml><?xml version="1.0" encoding="utf-8"?>
+<file path=ppt/slides/slide9.xml><?xml version="1.0" encoding="utf-8"?>
 <p:sld xmlns:a="http://schemas.openxmlformats.org/drawingml/2006/main" xmlns:r="http://schemas.openxmlformats.org/officeDocument/2006/relationships" xmlns:p="http://schemas.openxmlformats.org/presentationml/2006/main">
   <p:cSld>
     <p:spTree>

--- a/doc/第二阶段课堂展示/第二阶段课堂展示.pptx
+++ b/doc/第二阶段课堂展示/第二阶段课堂展示.pptx
@@ -5,7 +5,7 @@
     <p:sldMasterId id="2147483648" r:id="rId1"/>
   </p:sldMasterIdLst>
   <p:notesMasterIdLst>
-    <p:notesMasterId r:id="rId11"/>
+    <p:notesMasterId r:id="rId12"/>
   </p:notesMasterIdLst>
   <p:sldIdLst>
     <p:sldId id="256" r:id="rId2"/>
@@ -16,7 +16,8 @@
     <p:sldId id="283" r:id="rId7"/>
     <p:sldId id="284" r:id="rId8"/>
     <p:sldId id="285" r:id="rId9"/>
-    <p:sldId id="260" r:id="rId10"/>
+    <p:sldId id="287" r:id="rId10"/>
+    <p:sldId id="260" r:id="rId11"/>
   </p:sldIdLst>
   <p:sldSz cx="9144000" cy="5143500" type="screen16x9"/>
   <p:notesSz cx="6858000" cy="9144000"/>
@@ -4232,6 +4233,173 @@
 </p:sld>
 </file>
 
+<file path=ppt/slides/slide10.xml><?xml version="1.0" encoding="utf-8"?>
+<p:sld xmlns:a="http://schemas.openxmlformats.org/drawingml/2006/main" xmlns:r="http://schemas.openxmlformats.org/officeDocument/2006/relationships" xmlns:p="http://schemas.openxmlformats.org/presentationml/2006/main">
+  <p:cSld>
+    <p:spTree>
+      <p:nvGrpSpPr>
+        <p:cNvPr id="1" name=""/>
+        <p:cNvGrpSpPr/>
+        <p:nvPr/>
+      </p:nvGrpSpPr>
+      <p:grpSpPr>
+        <a:xfrm>
+          <a:off x="0" y="0"/>
+          <a:ext cx="0" cy="0"/>
+          <a:chOff x="0" y="0"/>
+          <a:chExt cx="0" cy="0"/>
+        </a:xfrm>
+      </p:grpSpPr>
+      <p:sp>
+        <p:nvSpPr>
+          <p:cNvPr id="5" name="Title 1">
+            <a:extLst>
+              <a:ext uri="{FF2B5EF4-FFF2-40B4-BE49-F238E27FC236}">
+                <a16:creationId xmlns:a16="http://schemas.microsoft.com/office/drawing/2014/main" id="{8F3038E9-7A5F-DB4C-89E1-7571B58B6B7E}"/>
+              </a:ext>
+            </a:extLst>
+          </p:cNvPr>
+          <p:cNvSpPr txBox="1">
+            <a:spLocks/>
+          </p:cNvSpPr>
+          <p:nvPr/>
+        </p:nvSpPr>
+        <p:spPr>
+          <a:xfrm>
+            <a:off x="5626236" y="1960930"/>
+            <a:ext cx="2152569" cy="610820"/>
+          </a:xfrm>
+          <a:prstGeom prst="rect">
+            <a:avLst/>
+          </a:prstGeom>
+          <a:noFill/>
+          <a:effectLst>
+            <a:outerShdw blurRad="50800" dist="38100" dir="2700000" algn="tl" rotWithShape="0">
+              <a:prstClr val="black">
+                <a:alpha val="40000"/>
+              </a:prstClr>
+            </a:outerShdw>
+          </a:effectLst>
+        </p:spPr>
+        <p:txBody>
+          <a:bodyPr vert="horz" lIns="91440" tIns="45720" rIns="91440" bIns="45720" rtlCol="0" anchor="ctr">
+            <a:normAutofit fontScale="90000" lnSpcReduction="10000"/>
+          </a:bodyPr>
+          <a:lstStyle>
+            <a:lvl1pPr algn="r" defTabSz="914400" rtl="0" eaLnBrk="1" latinLnBrk="0" hangingPunct="1">
+              <a:spcBef>
+                <a:spcPct val="0"/>
+              </a:spcBef>
+              <a:buNone/>
+              <a:defRPr sz="3200" b="0" i="0" kern="1200">
+                <a:solidFill>
+                  <a:schemeClr val="accent6">
+                    <a:lumMod val="60000"/>
+                    <a:lumOff val="40000"/>
+                  </a:schemeClr>
+                </a:solidFill>
+                <a:latin typeface="PingFang SC" panose="020B0400000000000000" pitchFamily="34" charset="-122"/>
+                <a:ea typeface="PingFang SC" panose="020B0400000000000000" pitchFamily="34" charset="-122"/>
+                <a:cs typeface="+mj-cs"/>
+              </a:defRPr>
+            </a:lvl1pPr>
+          </a:lstStyle>
+          <a:p>
+            <a:pPr algn="ctr"/>
+            <a:r>
+              <a:rPr lang="zh-CN" altLang="en-US" sz="4000" b="1" dirty="0">
+                <a:latin typeface="LingWai SC Medium" panose="03050602040302020204" pitchFamily="66" charset="-122"/>
+                <a:ea typeface="LingWai SC Medium" panose="03050602040302020204" pitchFamily="66" charset="-122"/>
+                <a:cs typeface="LingWai SC Medium" panose="03050602040302020204" pitchFamily="66" charset="-122"/>
+              </a:rPr>
+              <a:t>谢谢观看！</a:t>
+            </a:r>
+            <a:endParaRPr lang="en-US" sz="4000" b="1" dirty="0">
+              <a:latin typeface="LingWai SC Medium" panose="03050602040302020204" pitchFamily="66" charset="-122"/>
+              <a:ea typeface="LingWai SC Medium" panose="03050602040302020204" pitchFamily="66" charset="-122"/>
+              <a:cs typeface="LingWai SC Medium" panose="03050602040302020204" pitchFamily="66" charset="-122"/>
+            </a:endParaRPr>
+          </a:p>
+        </p:txBody>
+      </p:sp>
+      <p:sp>
+        <p:nvSpPr>
+          <p:cNvPr id="7" name="副标题 6">
+            <a:extLst>
+              <a:ext uri="{FF2B5EF4-FFF2-40B4-BE49-F238E27FC236}">
+                <a16:creationId xmlns:a16="http://schemas.microsoft.com/office/drawing/2014/main" id="{333A3E25-5FEC-2444-9FA9-23D375DC5D7B}"/>
+              </a:ext>
+            </a:extLst>
+          </p:cNvPr>
+          <p:cNvSpPr>
+            <a:spLocks noGrp="1"/>
+          </p:cNvSpPr>
+          <p:nvPr>
+            <p:ph type="subTitle" idx="1"/>
+          </p:nvPr>
+        </p:nvSpPr>
+        <p:spPr>
+          <a:xfrm>
+            <a:off x="5626236" y="2571750"/>
+            <a:ext cx="3344812" cy="257324"/>
+          </a:xfrm>
+        </p:spPr>
+        <p:txBody>
+          <a:bodyPr>
+            <a:normAutofit fontScale="92500"/>
+          </a:bodyPr>
+          <a:lstStyle/>
+          <a:p>
+            <a:pPr algn="l"/>
+            <a:r>
+              <a:rPr lang="en-US" altLang="zh-CN" sz="800" dirty="0" err="1"/>
+              <a:t>Github</a:t>
+            </a:r>
+            <a:r>
+              <a:rPr lang="zh-CN" altLang="en-US" sz="800" dirty="0"/>
+              <a:t>地址：</a:t>
+            </a:r>
+            <a:r>
+              <a:rPr lang="en-US" altLang="zh-CN" sz="800" dirty="0"/>
+              <a:t>https://</a:t>
+            </a:r>
+            <a:r>
+              <a:rPr lang="en-US" altLang="zh-CN" sz="800" dirty="0" err="1"/>
+              <a:t>github.com</a:t>
+            </a:r>
+            <a:r>
+              <a:rPr lang="en-US" altLang="zh-CN" sz="800" dirty="0"/>
+              <a:t>/</a:t>
+            </a:r>
+            <a:r>
+              <a:rPr lang="en-US" altLang="zh-CN" sz="800" dirty="0" err="1"/>
+              <a:t>skyetim</a:t>
+            </a:r>
+            <a:r>
+              <a:rPr lang="en-US" altLang="zh-CN" sz="800" dirty="0"/>
+              <a:t>/</a:t>
+            </a:r>
+            <a:r>
+              <a:rPr lang="en-US" altLang="zh-CN" sz="800" dirty="0" err="1"/>
+              <a:t>software_engineering_project</a:t>
+            </a:r>
+            <a:endParaRPr lang="zh-CN" altLang="en-US" sz="800" dirty="0"/>
+          </a:p>
+        </p:txBody>
+      </p:sp>
+    </p:spTree>
+    <p:extLst>
+      <p:ext uri="{BB962C8B-B14F-4D97-AF65-F5344CB8AC3E}">
+        <p14:creationId xmlns:p14="http://schemas.microsoft.com/office/powerpoint/2010/main" val="673341879"/>
+      </p:ext>
+    </p:extLst>
+  </p:cSld>
+  <p:clrMapOvr>
+    <a:masterClrMapping/>
+  </p:clrMapOvr>
+</p:sld>
+</file>
+
 <file path=ppt/slides/slide2.xml><?xml version="1.0" encoding="utf-8"?>
 <p:sld xmlns:a="http://schemas.openxmlformats.org/drawingml/2006/main" xmlns:r="http://schemas.openxmlformats.org/officeDocument/2006/relationships" xmlns:p="http://schemas.openxmlformats.org/presentationml/2006/main">
   <p:cSld>
@@ -6653,10 +6821,10 @@
       </p:sp>
       <p:pic>
         <p:nvPicPr>
-          <p:cNvPr id="9" name="图片 8">
+          <p:cNvPr id="3" name="图片 2">
             <a:extLst>
               <a:ext uri="{FF2B5EF4-FFF2-40B4-BE49-F238E27FC236}">
-                <a16:creationId xmlns:a16="http://schemas.microsoft.com/office/drawing/2014/main" id="{1994744D-7984-44B6-8089-D9D972CE1382}"/>
+                <a16:creationId xmlns:a16="http://schemas.microsoft.com/office/drawing/2014/main" id="{E550DC7B-0C8F-4602-A1F3-AFD0F4F11BF9}"/>
               </a:ext>
             </a:extLst>
           </p:cNvPr>
@@ -6679,8 +6847,8 @@
         </p:blipFill>
         <p:spPr>
           <a:xfrm>
-            <a:off x="2892245" y="1159229"/>
-            <a:ext cx="5802789" cy="3837404"/>
+            <a:off x="3044950" y="1159229"/>
+            <a:ext cx="5802789" cy="3843588"/>
           </a:xfrm>
           <a:prstGeom prst="rect">
             <a:avLst/>
@@ -6719,145 +6887,72 @@
       </p:grpSpPr>
       <p:sp>
         <p:nvSpPr>
-          <p:cNvPr id="5" name="Title 1">
+          <p:cNvPr id="8" name="Title 1"/>
+          <p:cNvSpPr>
+            <a:spLocks noGrp="1"/>
+          </p:cNvSpPr>
+          <p:nvPr>
+            <p:ph type="title"/>
+          </p:nvPr>
+        </p:nvSpPr>
+        <p:spPr>
+          <a:xfrm>
+            <a:off x="2892245" y="433880"/>
+            <a:ext cx="5802789" cy="725349"/>
+          </a:xfrm>
+        </p:spPr>
+        <p:txBody>
+          <a:bodyPr/>
+          <a:lstStyle/>
+          <a:p>
+            <a:r>
+              <a:rPr lang="zh-CN" altLang="en-US" dirty="0"/>
+              <a:t>状态图</a:t>
+            </a:r>
+            <a:endParaRPr lang="en-US" dirty="0"/>
+          </a:p>
+        </p:txBody>
+      </p:sp>
+      <p:pic>
+        <p:nvPicPr>
+          <p:cNvPr id="4" name="图片 3">
             <a:extLst>
               <a:ext uri="{FF2B5EF4-FFF2-40B4-BE49-F238E27FC236}">
-                <a16:creationId xmlns:a16="http://schemas.microsoft.com/office/drawing/2014/main" id="{8F3038E9-7A5F-DB4C-89E1-7571B58B6B7E}"/>
+                <a16:creationId xmlns:a16="http://schemas.microsoft.com/office/drawing/2014/main" id="{B57280C8-45A9-4560-98D1-48C6F463CC94}"/>
               </a:ext>
             </a:extLst>
           </p:cNvPr>
-          <p:cNvSpPr txBox="1">
-            <a:spLocks/>
-          </p:cNvSpPr>
+          <p:cNvPicPr>
+            <a:picLocks noChangeAspect="1"/>
+          </p:cNvPicPr>
           <p:nvPr/>
-        </p:nvSpPr>
+        </p:nvPicPr>
+        <p:blipFill>
+          <a:blip r:embed="rId2">
+            <a:extLst>
+              <a:ext uri="{28A0092B-C50C-407E-A947-70E740481C1C}">
+                <a14:useLocalDpi xmlns:a14="http://schemas.microsoft.com/office/drawing/2010/main" val="0"/>
+              </a:ext>
+            </a:extLst>
+          </a:blip>
+          <a:stretch>
+            <a:fillRect/>
+          </a:stretch>
+        </p:blipFill>
         <p:spPr>
           <a:xfrm>
-            <a:off x="5626236" y="1960930"/>
-            <a:ext cx="2152569" cy="610820"/>
+            <a:off x="3030149" y="1197405"/>
+            <a:ext cx="5715114" cy="3785515"/>
           </a:xfrm>
           <a:prstGeom prst="rect">
             <a:avLst/>
           </a:prstGeom>
-          <a:noFill/>
-          <a:effectLst>
-            <a:outerShdw blurRad="50800" dist="38100" dir="2700000" algn="tl" rotWithShape="0">
-              <a:prstClr val="black">
-                <a:alpha val="40000"/>
-              </a:prstClr>
-            </a:outerShdw>
-          </a:effectLst>
         </p:spPr>
-        <p:txBody>
-          <a:bodyPr vert="horz" lIns="91440" tIns="45720" rIns="91440" bIns="45720" rtlCol="0" anchor="ctr">
-            <a:normAutofit fontScale="90000" lnSpcReduction="10000"/>
-          </a:bodyPr>
-          <a:lstStyle>
-            <a:lvl1pPr algn="r" defTabSz="914400" rtl="0" eaLnBrk="1" latinLnBrk="0" hangingPunct="1">
-              <a:spcBef>
-                <a:spcPct val="0"/>
-              </a:spcBef>
-              <a:buNone/>
-              <a:defRPr sz="3200" b="0" i="0" kern="1200">
-                <a:solidFill>
-                  <a:schemeClr val="accent6">
-                    <a:lumMod val="60000"/>
-                    <a:lumOff val="40000"/>
-                  </a:schemeClr>
-                </a:solidFill>
-                <a:latin typeface="PingFang SC" panose="020B0400000000000000" pitchFamily="34" charset="-122"/>
-                <a:ea typeface="PingFang SC" panose="020B0400000000000000" pitchFamily="34" charset="-122"/>
-                <a:cs typeface="+mj-cs"/>
-              </a:defRPr>
-            </a:lvl1pPr>
-          </a:lstStyle>
-          <a:p>
-            <a:pPr algn="ctr"/>
-            <a:r>
-              <a:rPr lang="zh-CN" altLang="en-US" sz="4000" b="1" dirty="0">
-                <a:latin typeface="LingWai SC Medium" panose="03050602040302020204" pitchFamily="66" charset="-122"/>
-                <a:ea typeface="LingWai SC Medium" panose="03050602040302020204" pitchFamily="66" charset="-122"/>
-                <a:cs typeface="LingWai SC Medium" panose="03050602040302020204" pitchFamily="66" charset="-122"/>
-              </a:rPr>
-              <a:t>谢谢观看！</a:t>
-            </a:r>
-            <a:endParaRPr lang="en-US" sz="4000" b="1" dirty="0">
-              <a:latin typeface="LingWai SC Medium" panose="03050602040302020204" pitchFamily="66" charset="-122"/>
-              <a:ea typeface="LingWai SC Medium" panose="03050602040302020204" pitchFamily="66" charset="-122"/>
-              <a:cs typeface="LingWai SC Medium" panose="03050602040302020204" pitchFamily="66" charset="-122"/>
-            </a:endParaRPr>
-          </a:p>
-        </p:txBody>
-      </p:sp>
-      <p:sp>
-        <p:nvSpPr>
-          <p:cNvPr id="7" name="副标题 6">
-            <a:extLst>
-              <a:ext uri="{FF2B5EF4-FFF2-40B4-BE49-F238E27FC236}">
-                <a16:creationId xmlns:a16="http://schemas.microsoft.com/office/drawing/2014/main" id="{333A3E25-5FEC-2444-9FA9-23D375DC5D7B}"/>
-              </a:ext>
-            </a:extLst>
-          </p:cNvPr>
-          <p:cNvSpPr>
-            <a:spLocks noGrp="1"/>
-          </p:cNvSpPr>
-          <p:nvPr>
-            <p:ph type="subTitle" idx="1"/>
-          </p:nvPr>
-        </p:nvSpPr>
-        <p:spPr>
-          <a:xfrm>
-            <a:off x="5626236" y="2571750"/>
-            <a:ext cx="3344812" cy="257324"/>
-          </a:xfrm>
-        </p:spPr>
-        <p:txBody>
-          <a:bodyPr>
-            <a:normAutofit fontScale="92500"/>
-          </a:bodyPr>
-          <a:lstStyle/>
-          <a:p>
-            <a:pPr algn="l"/>
-            <a:r>
-              <a:rPr lang="en-US" altLang="zh-CN" sz="800" dirty="0" err="1"/>
-              <a:t>Github</a:t>
-            </a:r>
-            <a:r>
-              <a:rPr lang="zh-CN" altLang="en-US" sz="800" dirty="0"/>
-              <a:t>地址：</a:t>
-            </a:r>
-            <a:r>
-              <a:rPr lang="en-US" altLang="zh-CN" sz="800" dirty="0"/>
-              <a:t>https://</a:t>
-            </a:r>
-            <a:r>
-              <a:rPr lang="en-US" altLang="zh-CN" sz="800" dirty="0" err="1"/>
-              <a:t>github.com</a:t>
-            </a:r>
-            <a:r>
-              <a:rPr lang="en-US" altLang="zh-CN" sz="800" dirty="0"/>
-              <a:t>/</a:t>
-            </a:r>
-            <a:r>
-              <a:rPr lang="en-US" altLang="zh-CN" sz="800" dirty="0" err="1"/>
-              <a:t>skyetim</a:t>
-            </a:r>
-            <a:r>
-              <a:rPr lang="en-US" altLang="zh-CN" sz="800" dirty="0"/>
-              <a:t>/</a:t>
-            </a:r>
-            <a:r>
-              <a:rPr lang="en-US" altLang="zh-CN" sz="800" dirty="0" err="1"/>
-              <a:t>software_engineering_project</a:t>
-            </a:r>
-            <a:endParaRPr lang="zh-CN" altLang="en-US" sz="800" dirty="0"/>
-          </a:p>
-        </p:txBody>
-      </p:sp>
+      </p:pic>
     </p:spTree>
     <p:extLst>
       <p:ext uri="{BB962C8B-B14F-4D97-AF65-F5344CB8AC3E}">
-        <p14:creationId xmlns:p14="http://schemas.microsoft.com/office/powerpoint/2010/main" val="673341879"/>
+        <p14:creationId xmlns:p14="http://schemas.microsoft.com/office/powerpoint/2010/main" val="237752956"/>
       </p:ext>
     </p:extLst>
   </p:cSld>

--- a/doc/第二阶段课堂展示/第二阶段课堂展示.pptx
+++ b/doc/第二阶段课堂展示/第二阶段课堂展示.pptx
@@ -5,19 +5,22 @@
     <p:sldMasterId id="2147483648" r:id="rId1"/>
   </p:sldMasterIdLst>
   <p:notesMasterIdLst>
-    <p:notesMasterId r:id="rId12"/>
+    <p:notesMasterId r:id="rId15"/>
   </p:notesMasterIdLst>
   <p:sldIdLst>
     <p:sldId id="256" r:id="rId2"/>
     <p:sldId id="257" r:id="rId3"/>
     <p:sldId id="259" r:id="rId4"/>
-    <p:sldId id="282" r:id="rId5"/>
-    <p:sldId id="286" r:id="rId6"/>
-    <p:sldId id="283" r:id="rId7"/>
-    <p:sldId id="284" r:id="rId8"/>
-    <p:sldId id="285" r:id="rId9"/>
-    <p:sldId id="287" r:id="rId10"/>
-    <p:sldId id="260" r:id="rId11"/>
+    <p:sldId id="261" r:id="rId5"/>
+    <p:sldId id="282" r:id="rId6"/>
+    <p:sldId id="287" r:id="rId7"/>
+    <p:sldId id="289" r:id="rId8"/>
+    <p:sldId id="294" r:id="rId9"/>
+    <p:sldId id="291" r:id="rId10"/>
+    <p:sldId id="295" r:id="rId11"/>
+    <p:sldId id="292" r:id="rId12"/>
+    <p:sldId id="297" r:id="rId13"/>
+    <p:sldId id="260" r:id="rId14"/>
   </p:sldIdLst>
   <p:sldSz cx="9144000" cy="5143500" type="screen16x9"/>
   <p:notesSz cx="6858000" cy="9144000"/>
@@ -217,7 +220,7 @@
           <a:p>
             <a:fld id="{C8D18E60-4300-4729-A0D7-6AB984C3922D}" type="datetimeFigureOut">
               <a:rPr lang="en-US" smtClean="0"/>
-              <a:t>4/24/2019</a:t>
+              <a:t>4/24/19</a:t>
             </a:fld>
             <a:endParaRPr lang="en-US"/>
           </a:p>
@@ -484,6 +487,90 @@
 </p:notesMaster>
 </file>
 
+<file path=ppt/notesSlides/notesSlide1.xml><?xml version="1.0" encoding="utf-8"?>
+<p:notes xmlns:a="http://schemas.openxmlformats.org/drawingml/2006/main" xmlns:r="http://schemas.openxmlformats.org/officeDocument/2006/relationships" xmlns:p="http://schemas.openxmlformats.org/presentationml/2006/main">
+  <p:cSld>
+    <p:spTree>
+      <p:nvGrpSpPr>
+        <p:cNvPr id="1" name=""/>
+        <p:cNvGrpSpPr/>
+        <p:nvPr/>
+      </p:nvGrpSpPr>
+      <p:grpSpPr>
+        <a:xfrm>
+          <a:off x="0" y="0"/>
+          <a:ext cx="0" cy="0"/>
+          <a:chOff x="0" y="0"/>
+          <a:chExt cx="0" cy="0"/>
+        </a:xfrm>
+      </p:grpSpPr>
+      <p:sp>
+        <p:nvSpPr>
+          <p:cNvPr id="2" name="幻灯片图像占位符 1"/>
+          <p:cNvSpPr>
+            <a:spLocks noGrp="1" noRot="1" noChangeAspect="1"/>
+          </p:cNvSpPr>
+          <p:nvPr>
+            <p:ph type="sldImg"/>
+          </p:nvPr>
+        </p:nvSpPr>
+        <p:spPr/>
+      </p:sp>
+      <p:sp>
+        <p:nvSpPr>
+          <p:cNvPr id="3" name="备注占位符 2"/>
+          <p:cNvSpPr>
+            <a:spLocks noGrp="1"/>
+          </p:cNvSpPr>
+          <p:nvPr>
+            <p:ph type="body" idx="1"/>
+          </p:nvPr>
+        </p:nvSpPr>
+        <p:spPr/>
+        <p:txBody>
+          <a:bodyPr/>
+          <a:lstStyle/>
+          <a:p>
+            <a:endParaRPr kumimoji="1" lang="zh-CN" altLang="en-US" dirty="0"/>
+          </a:p>
+        </p:txBody>
+      </p:sp>
+      <p:sp>
+        <p:nvSpPr>
+          <p:cNvPr id="4" name="灯片编号占位符 3"/>
+          <p:cNvSpPr>
+            <a:spLocks noGrp="1"/>
+          </p:cNvSpPr>
+          <p:nvPr>
+            <p:ph type="sldNum" sz="quarter" idx="5"/>
+          </p:nvPr>
+        </p:nvSpPr>
+        <p:spPr/>
+        <p:txBody>
+          <a:bodyPr/>
+          <a:lstStyle/>
+          <a:p>
+            <a:fld id="{AF533E96-F078-4B3D-A8F4-F1AF21EBC357}" type="slidenum">
+              <a:rPr lang="en-US" smtClean="0"/>
+              <a:t>2</a:t>
+            </a:fld>
+            <a:endParaRPr lang="en-US"/>
+          </a:p>
+        </p:txBody>
+      </p:sp>
+    </p:spTree>
+    <p:extLst>
+      <p:ext uri="{BB962C8B-B14F-4D97-AF65-F5344CB8AC3E}">
+        <p14:creationId xmlns:p14="http://schemas.microsoft.com/office/powerpoint/2010/main" val="1046842814"/>
+      </p:ext>
+    </p:extLst>
+  </p:cSld>
+  <p:clrMapOvr>
+    <a:masterClrMapping/>
+  </p:clrMapOvr>
+</p:notes>
+</file>
+
 <file path=ppt/slideLayouts/slideLayout1.xml><?xml version="1.0" encoding="utf-8"?>
 <p:sldLayout xmlns:a="http://schemas.openxmlformats.org/drawingml/2006/main" xmlns:r="http://schemas.openxmlformats.org/officeDocument/2006/relationships" xmlns:p="http://schemas.openxmlformats.org/presentationml/2006/main" type="title" preserve="1">
   <p:cSld name="Title Slide">
@@ -713,7 +800,7 @@
             <a:fld id="{53074F12-AA26-4AC8-9962-C36BB8F32554}" type="datetimeFigureOut">
               <a:rPr lang="en-US" smtClean="0"/>
               <a:pPr/>
-              <a:t>4/24/2019</a:t>
+              <a:t>4/24/19</a:t>
             </a:fld>
             <a:endParaRPr lang="en-US"/>
           </a:p>
@@ -967,7 +1054,7 @@
             <a:fld id="{53074F12-AA26-4AC8-9962-C36BB8F32554}" type="datetimeFigureOut">
               <a:rPr lang="en-US" smtClean="0"/>
               <a:pPr/>
-              <a:t>4/24/2019</a:t>
+              <a:t>4/24/19</a:t>
             </a:fld>
             <a:endParaRPr lang="en-US"/>
           </a:p>
@@ -1137,7 +1224,7 @@
             <a:fld id="{53074F12-AA26-4AC8-9962-C36BB8F32554}" type="datetimeFigureOut">
               <a:rPr lang="en-US" smtClean="0"/>
               <a:pPr/>
-              <a:t>4/24/2019</a:t>
+              <a:t>4/24/19</a:t>
             </a:fld>
             <a:endParaRPr lang="en-US"/>
           </a:p>
@@ -1317,7 +1404,7 @@
             <a:fld id="{53074F12-AA26-4AC8-9962-C36BB8F32554}" type="datetimeFigureOut">
               <a:rPr lang="en-US" smtClean="0"/>
               <a:pPr/>
-              <a:t>4/24/2019</a:t>
+              <a:t>4/24/19</a:t>
             </a:fld>
             <a:endParaRPr lang="en-US"/>
           </a:p>
@@ -1602,7 +1689,7 @@
             <a:fld id="{53074F12-AA26-4AC8-9962-C36BB8F32554}" type="datetimeFigureOut">
               <a:rPr lang="en-US" smtClean="0"/>
               <a:pPr/>
-              <a:t>4/24/2019</a:t>
+              <a:t>4/24/19</a:t>
             </a:fld>
             <a:endParaRPr lang="en-US"/>
           </a:p>
@@ -1929,7 +2016,7 @@
             <a:fld id="{53074F12-AA26-4AC8-9962-C36BB8F32554}" type="datetimeFigureOut">
               <a:rPr lang="en-US" smtClean="0"/>
               <a:pPr/>
-              <a:t>4/24/2019</a:t>
+              <a:t>4/24/19</a:t>
             </a:fld>
             <a:endParaRPr lang="en-US"/>
           </a:p>
@@ -2176,7 +2263,7 @@
             <a:fld id="{53074F12-AA26-4AC8-9962-C36BB8F32554}" type="datetimeFigureOut">
               <a:rPr lang="en-US" smtClean="0"/>
               <a:pPr/>
-              <a:t>4/24/2019</a:t>
+              <a:t>4/24/19</a:t>
             </a:fld>
             <a:endParaRPr lang="en-US"/>
           </a:p>
@@ -2463,7 +2550,7 @@
             <a:fld id="{53074F12-AA26-4AC8-9962-C36BB8F32554}" type="datetimeFigureOut">
               <a:rPr lang="en-US" smtClean="0"/>
               <a:pPr/>
-              <a:t>4/24/2019</a:t>
+              <a:t>4/24/19</a:t>
             </a:fld>
             <a:endParaRPr lang="en-US"/>
           </a:p>
@@ -2977,7 +3064,7 @@
             <a:fld id="{53074F12-AA26-4AC8-9962-C36BB8F32554}" type="datetimeFigureOut">
               <a:rPr lang="en-US" smtClean="0"/>
               <a:pPr/>
-              <a:t>4/24/2019</a:t>
+              <a:t>4/24/19</a:t>
             </a:fld>
             <a:endParaRPr lang="en-US"/>
           </a:p>
@@ -3096,7 +3183,7 @@
             <a:fld id="{53074F12-AA26-4AC8-9962-C36BB8F32554}" type="datetimeFigureOut">
               <a:rPr lang="en-US" smtClean="0"/>
               <a:pPr/>
-              <a:t>4/24/2019</a:t>
+              <a:t>4/24/19</a:t>
             </a:fld>
             <a:endParaRPr lang="en-US"/>
           </a:p>
@@ -3161,6 +3248,14 @@
 <file path=ppt/slideLayouts/slideLayout8.xml><?xml version="1.0" encoding="utf-8"?>
 <p:sldLayout xmlns:a="http://schemas.openxmlformats.org/drawingml/2006/main" xmlns:r="http://schemas.openxmlformats.org/officeDocument/2006/relationships" xmlns:p="http://schemas.openxmlformats.org/presentationml/2006/main" type="blank" preserve="1">
   <p:cSld name="Blank">
+    <p:bg>
+      <p:bgPr>
+        <a:solidFill>
+          <a:schemeClr val="bg1"/>
+        </a:solidFill>
+        <a:effectLst/>
+      </p:bgPr>
+    </p:bg>
     <p:spTree>
       <p:nvGrpSpPr>
         <p:cNvPr id="1" name=""/>
@@ -3193,7 +3288,7 @@
             <a:fld id="{53074F12-AA26-4AC8-9962-C36BB8F32554}" type="datetimeFigureOut">
               <a:rPr lang="en-US" smtClean="0"/>
               <a:pPr/>
-              <a:t>4/24/2019</a:t>
+              <a:t>4/24/19</a:t>
             </a:fld>
             <a:endParaRPr lang="en-US"/>
           </a:p>
@@ -3470,7 +3565,7 @@
             <a:fld id="{53074F12-AA26-4AC8-9962-C36BB8F32554}" type="datetimeFigureOut">
               <a:rPr lang="en-US" smtClean="0"/>
               <a:pPr/>
-              <a:t>4/24/2019</a:t>
+              <a:t>4/24/19</a:t>
             </a:fld>
             <a:endParaRPr lang="en-US"/>
           </a:p>
@@ -3692,7 +3787,7 @@
             <a:fld id="{53074F12-AA26-4AC8-9962-C36BB8F32554}" type="datetimeFigureOut">
               <a:rPr lang="en-US" smtClean="0"/>
               <a:pPr/>
-              <a:t>4/24/2019</a:t>
+              <a:t>4/24/19</a:t>
             </a:fld>
             <a:endParaRPr lang="en-US"/>
           </a:p>
@@ -4133,7 +4228,7 @@
         </p:spPr>
         <p:txBody>
           <a:bodyPr vert="horz" lIns="91440" tIns="45720" rIns="91440" bIns="45720" rtlCol="0" anchor="ctr">
-            <a:normAutofit fontScale="82500" lnSpcReduction="10000"/>
+            <a:normAutofit fontScale="90000" lnSpcReduction="10000"/>
           </a:bodyPr>
           <a:lstStyle>
             <a:lvl1pPr algn="r" defTabSz="914400" rtl="0" eaLnBrk="1" latinLnBrk="0" hangingPunct="1">
@@ -4252,6 +4347,512 @@
       </p:grpSpPr>
       <p:sp>
         <p:nvSpPr>
+          <p:cNvPr id="2" name="标题 1">
+            <a:extLst>
+              <a:ext uri="{FF2B5EF4-FFF2-40B4-BE49-F238E27FC236}">
+                <a16:creationId xmlns:a16="http://schemas.microsoft.com/office/drawing/2014/main" id="{DBBE7A1B-91F0-DB40-8CC7-970D06FD7D2B}"/>
+              </a:ext>
+            </a:extLst>
+          </p:cNvPr>
+          <p:cNvSpPr txBox="1">
+            <a:spLocks/>
+          </p:cNvSpPr>
+          <p:nvPr/>
+        </p:nvSpPr>
+        <p:spPr>
+          <a:xfrm>
+            <a:off x="0" y="0"/>
+            <a:ext cx="5802789" cy="725349"/>
+          </a:xfrm>
+          <a:prstGeom prst="rect">
+            <a:avLst/>
+          </a:prstGeom>
+        </p:spPr>
+        <p:txBody>
+          <a:bodyPr/>
+          <a:lstStyle>
+            <a:lvl1pPr algn="ctr" defTabSz="914400" rtl="0" eaLnBrk="1" latinLnBrk="0" hangingPunct="1">
+              <a:spcBef>
+                <a:spcPct val="0"/>
+              </a:spcBef>
+              <a:buNone/>
+              <a:defRPr sz="4400" b="0" i="0" kern="1200">
+                <a:solidFill>
+                  <a:schemeClr val="tx1"/>
+                </a:solidFill>
+                <a:latin typeface="PingFang SC" panose="020B0400000000000000" pitchFamily="34" charset="-122"/>
+                <a:ea typeface="PingFang SC" panose="020B0400000000000000" pitchFamily="34" charset="-122"/>
+                <a:cs typeface="+mj-cs"/>
+              </a:defRPr>
+            </a:lvl1pPr>
+          </a:lstStyle>
+          <a:p>
+            <a:pPr algn="l"/>
+            <a:r>
+              <a:rPr lang="zh-CN" altLang="en-US" sz="3200" dirty="0">
+                <a:solidFill>
+                  <a:srgbClr val="38435D"/>
+                </a:solidFill>
+              </a:rPr>
+              <a:t>顺序图</a:t>
+            </a:r>
+            <a:endParaRPr lang="en-US" sz="3200" dirty="0">
+              <a:solidFill>
+                <a:srgbClr val="38435D"/>
+              </a:solidFill>
+            </a:endParaRPr>
+          </a:p>
+        </p:txBody>
+      </p:sp>
+      <p:sp>
+        <p:nvSpPr>
+          <p:cNvPr id="7" name="TextBox 5">
+            <a:extLst>
+              <a:ext uri="{FF2B5EF4-FFF2-40B4-BE49-F238E27FC236}">
+                <a16:creationId xmlns:a16="http://schemas.microsoft.com/office/drawing/2014/main" id="{EDA7C1D3-276C-7F4E-A5AB-7BCC1F46D748}"/>
+              </a:ext>
+            </a:extLst>
+          </p:cNvPr>
+          <p:cNvSpPr txBox="1"/>
+          <p:nvPr/>
+        </p:nvSpPr>
+        <p:spPr>
+          <a:xfrm>
+            <a:off x="1568189" y="3939382"/>
+            <a:ext cx="1374345" cy="369332"/>
+          </a:xfrm>
+          <a:prstGeom prst="rect">
+            <a:avLst/>
+          </a:prstGeom>
+          <a:noFill/>
+        </p:spPr>
+        <p:txBody>
+          <a:bodyPr wrap="square" rtlCol="0">
+            <a:spAutoFit/>
+          </a:bodyPr>
+          <a:lstStyle/>
+          <a:p>
+            <a:r>
+              <a:rPr lang="zh-CN" altLang="en-US" b="1" dirty="0">
+                <a:solidFill>
+                  <a:schemeClr val="dk1"/>
+                </a:solidFill>
+                <a:latin typeface="PingFang SC" panose="020B0400000000000000" pitchFamily="34" charset="-122"/>
+                <a:ea typeface="PingFang SC" panose="020B0400000000000000" pitchFamily="34" charset="-122"/>
+              </a:rPr>
+              <a:t>  添加行迹</a:t>
+            </a:r>
+            <a:endParaRPr lang="en-US" b="1" dirty="0">
+              <a:solidFill>
+                <a:schemeClr val="dk1"/>
+              </a:solidFill>
+              <a:latin typeface="PingFang SC" panose="020B0400000000000000" pitchFamily="34" charset="-122"/>
+              <a:ea typeface="PingFang SC" panose="020B0400000000000000" pitchFamily="34" charset="-122"/>
+            </a:endParaRPr>
+          </a:p>
+        </p:txBody>
+      </p:sp>
+      <p:pic>
+        <p:nvPicPr>
+          <p:cNvPr id="8" name="Picture 1" descr="Screen Clipping">
+            <a:extLst>
+              <a:ext uri="{FF2B5EF4-FFF2-40B4-BE49-F238E27FC236}">
+                <a16:creationId xmlns:a16="http://schemas.microsoft.com/office/drawing/2014/main" id="{FCFAE342-8A62-064A-B0E5-7D7A45F3DEAE}"/>
+              </a:ext>
+            </a:extLst>
+          </p:cNvPr>
+          <p:cNvPicPr>
+            <a:picLocks noChangeAspect="1"/>
+          </p:cNvPicPr>
+          <p:nvPr/>
+        </p:nvPicPr>
+        <p:blipFill>
+          <a:blip r:embed="rId2" cstate="print">
+            <a:extLst>
+              <a:ext uri="{28A0092B-C50C-407E-A947-70E740481C1C}">
+                <a14:useLocalDpi xmlns:a14="http://schemas.microsoft.com/office/drawing/2010/main" val="0"/>
+              </a:ext>
+            </a:extLst>
+          </a:blip>
+          <a:stretch>
+            <a:fillRect/>
+          </a:stretch>
+        </p:blipFill>
+        <p:spPr>
+          <a:xfrm>
+            <a:off x="143555" y="725349"/>
+            <a:ext cx="4223615" cy="3058980"/>
+          </a:xfrm>
+          <a:prstGeom prst="rect">
+            <a:avLst/>
+          </a:prstGeom>
+        </p:spPr>
+      </p:pic>
+      <p:pic>
+        <p:nvPicPr>
+          <p:cNvPr id="9" name="Picture 2" descr="Screen Clipping">
+            <a:extLst>
+              <a:ext uri="{FF2B5EF4-FFF2-40B4-BE49-F238E27FC236}">
+                <a16:creationId xmlns:a16="http://schemas.microsoft.com/office/drawing/2014/main" id="{F5D2CE73-9E9C-E540-8FEE-DFC7DB8D3F31}"/>
+              </a:ext>
+            </a:extLst>
+          </p:cNvPr>
+          <p:cNvPicPr>
+            <a:picLocks noChangeAspect="1"/>
+          </p:cNvPicPr>
+          <p:nvPr/>
+        </p:nvPicPr>
+        <p:blipFill>
+          <a:blip r:embed="rId3" cstate="print">
+            <a:extLst>
+              <a:ext uri="{28A0092B-C50C-407E-A947-70E740481C1C}">
+                <a14:useLocalDpi xmlns:a14="http://schemas.microsoft.com/office/drawing/2010/main" val="0"/>
+              </a:ext>
+            </a:extLst>
+          </a:blip>
+          <a:stretch>
+            <a:fillRect/>
+          </a:stretch>
+        </p:blipFill>
+        <p:spPr>
+          <a:xfrm>
+            <a:off x="4367170" y="725349"/>
+            <a:ext cx="4327865" cy="3072638"/>
+          </a:xfrm>
+          <a:prstGeom prst="rect">
+            <a:avLst/>
+          </a:prstGeom>
+        </p:spPr>
+      </p:pic>
+      <p:sp>
+        <p:nvSpPr>
+          <p:cNvPr id="10" name="矩形 9">
+            <a:extLst>
+              <a:ext uri="{FF2B5EF4-FFF2-40B4-BE49-F238E27FC236}">
+                <a16:creationId xmlns:a16="http://schemas.microsoft.com/office/drawing/2014/main" id="{0C1D2310-7D10-CF49-946F-B1727907D297}"/>
+              </a:ext>
+            </a:extLst>
+          </p:cNvPr>
+          <p:cNvSpPr/>
+          <p:nvPr/>
+        </p:nvSpPr>
+        <p:spPr>
+          <a:xfrm>
+            <a:off x="5438495" y="3939382"/>
+            <a:ext cx="2185214" cy="369332"/>
+          </a:xfrm>
+          <a:prstGeom prst="rect">
+            <a:avLst/>
+          </a:prstGeom>
+        </p:spPr>
+        <p:txBody>
+          <a:bodyPr wrap="none">
+            <a:spAutoFit/>
+          </a:bodyPr>
+          <a:lstStyle/>
+          <a:p>
+            <a:r>
+              <a:rPr lang="zh-CN" altLang="en-US" b="1" dirty="0">
+                <a:solidFill>
+                  <a:schemeClr val="dk1"/>
+                </a:solidFill>
+                <a:latin typeface="PingFang SC" panose="020B0400000000000000" pitchFamily="34" charset="-122"/>
+                <a:ea typeface="PingFang SC" panose="020B0400000000000000" pitchFamily="34" charset="-122"/>
+              </a:rPr>
+              <a:t>向行迹中关联好友  </a:t>
+            </a:r>
+            <a:endParaRPr lang="en-US" altLang="zh-CN" b="1" dirty="0">
+              <a:solidFill>
+                <a:schemeClr val="dk1"/>
+              </a:solidFill>
+              <a:latin typeface="PingFang SC" panose="020B0400000000000000" pitchFamily="34" charset="-122"/>
+              <a:ea typeface="PingFang SC" panose="020B0400000000000000" pitchFamily="34" charset="-122"/>
+            </a:endParaRPr>
+          </a:p>
+        </p:txBody>
+      </p:sp>
+    </p:spTree>
+    <p:extLst>
+      <p:ext uri="{BB962C8B-B14F-4D97-AF65-F5344CB8AC3E}">
+        <p14:creationId xmlns:p14="http://schemas.microsoft.com/office/powerpoint/2010/main" val="3843663151"/>
+      </p:ext>
+    </p:extLst>
+  </p:cSld>
+  <p:clrMapOvr>
+    <a:masterClrMapping/>
+  </p:clrMapOvr>
+</p:sld>
+</file>
+
+<file path=ppt/slides/slide11.xml><?xml version="1.0" encoding="utf-8"?>
+<p:sld xmlns:a="http://schemas.openxmlformats.org/drawingml/2006/main" xmlns:r="http://schemas.openxmlformats.org/officeDocument/2006/relationships" xmlns:p="http://schemas.openxmlformats.org/presentationml/2006/main">
+  <p:cSld>
+    <p:spTree>
+      <p:nvGrpSpPr>
+        <p:cNvPr id="1" name=""/>
+        <p:cNvGrpSpPr/>
+        <p:nvPr/>
+      </p:nvGrpSpPr>
+      <p:grpSpPr>
+        <a:xfrm>
+          <a:off x="0" y="0"/>
+          <a:ext cx="0" cy="0"/>
+          <a:chOff x="0" y="0"/>
+          <a:chExt cx="0" cy="0"/>
+        </a:xfrm>
+      </p:grpSpPr>
+      <p:sp>
+        <p:nvSpPr>
+          <p:cNvPr id="2" name="标题 1">
+            <a:extLst>
+              <a:ext uri="{FF2B5EF4-FFF2-40B4-BE49-F238E27FC236}">
+                <a16:creationId xmlns:a16="http://schemas.microsoft.com/office/drawing/2014/main" id="{DBBE7A1B-91F0-DB40-8CC7-970D06FD7D2B}"/>
+              </a:ext>
+            </a:extLst>
+          </p:cNvPr>
+          <p:cNvSpPr txBox="1">
+            <a:spLocks/>
+          </p:cNvSpPr>
+          <p:nvPr/>
+        </p:nvSpPr>
+        <p:spPr>
+          <a:xfrm>
+            <a:off x="0" y="0"/>
+            <a:ext cx="5802789" cy="725349"/>
+          </a:xfrm>
+          <a:prstGeom prst="rect">
+            <a:avLst/>
+          </a:prstGeom>
+        </p:spPr>
+        <p:txBody>
+          <a:bodyPr/>
+          <a:lstStyle>
+            <a:lvl1pPr algn="ctr" defTabSz="914400" rtl="0" eaLnBrk="1" latinLnBrk="0" hangingPunct="1">
+              <a:spcBef>
+                <a:spcPct val="0"/>
+              </a:spcBef>
+              <a:buNone/>
+              <a:defRPr sz="4400" b="0" i="0" kern="1200">
+                <a:solidFill>
+                  <a:schemeClr val="tx1"/>
+                </a:solidFill>
+                <a:latin typeface="PingFang SC" panose="020B0400000000000000" pitchFamily="34" charset="-122"/>
+                <a:ea typeface="PingFang SC" panose="020B0400000000000000" pitchFamily="34" charset="-122"/>
+                <a:cs typeface="+mj-cs"/>
+              </a:defRPr>
+            </a:lvl1pPr>
+          </a:lstStyle>
+          <a:p>
+            <a:pPr algn="l"/>
+            <a:r>
+              <a:rPr lang="zh-CN" altLang="en-US" sz="3200" dirty="0">
+                <a:solidFill>
+                  <a:srgbClr val="38435D"/>
+                </a:solidFill>
+              </a:rPr>
+              <a:t>状态图</a:t>
+            </a:r>
+            <a:endParaRPr lang="en-US" sz="3200" dirty="0">
+              <a:solidFill>
+                <a:srgbClr val="38435D"/>
+              </a:solidFill>
+            </a:endParaRPr>
+          </a:p>
+        </p:txBody>
+      </p:sp>
+      <p:pic>
+        <p:nvPicPr>
+          <p:cNvPr id="4" name="图片 3">
+            <a:extLst>
+              <a:ext uri="{FF2B5EF4-FFF2-40B4-BE49-F238E27FC236}">
+                <a16:creationId xmlns:a16="http://schemas.microsoft.com/office/drawing/2014/main" id="{65C1C2CF-D727-534B-8866-C1DA2F65AE07}"/>
+              </a:ext>
+            </a:extLst>
+          </p:cNvPr>
+          <p:cNvPicPr>
+            <a:picLocks noChangeAspect="1"/>
+          </p:cNvPicPr>
+          <p:nvPr/>
+        </p:nvPicPr>
+        <p:blipFill>
+          <a:blip r:embed="rId2">
+            <a:extLst>
+              <a:ext uri="{28A0092B-C50C-407E-A947-70E740481C1C}">
+                <a14:useLocalDpi xmlns:a14="http://schemas.microsoft.com/office/drawing/2010/main" val="0"/>
+              </a:ext>
+            </a:extLst>
+          </a:blip>
+          <a:stretch>
+            <a:fillRect/>
+          </a:stretch>
+        </p:blipFill>
+        <p:spPr>
+          <a:xfrm>
+            <a:off x="1365195" y="73757"/>
+            <a:ext cx="7635250" cy="5049217"/>
+          </a:xfrm>
+          <a:prstGeom prst="rect">
+            <a:avLst/>
+          </a:prstGeom>
+        </p:spPr>
+      </p:pic>
+    </p:spTree>
+    <p:extLst>
+      <p:ext uri="{BB962C8B-B14F-4D97-AF65-F5344CB8AC3E}">
+        <p14:creationId xmlns:p14="http://schemas.microsoft.com/office/powerpoint/2010/main" val="667999524"/>
+      </p:ext>
+    </p:extLst>
+  </p:cSld>
+  <p:clrMapOvr>
+    <a:masterClrMapping/>
+  </p:clrMapOvr>
+</p:sld>
+</file>
+
+<file path=ppt/slides/slide12.xml><?xml version="1.0" encoding="utf-8"?>
+<p:sld xmlns:a="http://schemas.openxmlformats.org/drawingml/2006/main" xmlns:r="http://schemas.openxmlformats.org/officeDocument/2006/relationships" xmlns:p="http://schemas.openxmlformats.org/presentationml/2006/main">
+  <p:cSld>
+    <p:spTree>
+      <p:nvGrpSpPr>
+        <p:cNvPr id="1" name=""/>
+        <p:cNvGrpSpPr/>
+        <p:nvPr/>
+      </p:nvGrpSpPr>
+      <p:grpSpPr>
+        <a:xfrm>
+          <a:off x="0" y="0"/>
+          <a:ext cx="0" cy="0"/>
+          <a:chOff x="0" y="0"/>
+          <a:chExt cx="0" cy="0"/>
+        </a:xfrm>
+      </p:grpSpPr>
+      <p:sp>
+        <p:nvSpPr>
+          <p:cNvPr id="2" name="标题 1">
+            <a:extLst>
+              <a:ext uri="{FF2B5EF4-FFF2-40B4-BE49-F238E27FC236}">
+                <a16:creationId xmlns:a16="http://schemas.microsoft.com/office/drawing/2014/main" id="{DBBE7A1B-91F0-DB40-8CC7-970D06FD7D2B}"/>
+              </a:ext>
+            </a:extLst>
+          </p:cNvPr>
+          <p:cNvSpPr txBox="1">
+            <a:spLocks/>
+          </p:cNvSpPr>
+          <p:nvPr/>
+        </p:nvSpPr>
+        <p:spPr>
+          <a:xfrm>
+            <a:off x="0" y="0"/>
+            <a:ext cx="5802789" cy="725349"/>
+          </a:xfrm>
+          <a:prstGeom prst="rect">
+            <a:avLst/>
+          </a:prstGeom>
+        </p:spPr>
+        <p:txBody>
+          <a:bodyPr/>
+          <a:lstStyle>
+            <a:lvl1pPr algn="ctr" defTabSz="914400" rtl="0" eaLnBrk="1" latinLnBrk="0" hangingPunct="1">
+              <a:spcBef>
+                <a:spcPct val="0"/>
+              </a:spcBef>
+              <a:buNone/>
+              <a:defRPr sz="4400" b="0" i="0" kern="1200">
+                <a:solidFill>
+                  <a:schemeClr val="tx1"/>
+                </a:solidFill>
+                <a:latin typeface="PingFang SC" panose="020B0400000000000000" pitchFamily="34" charset="-122"/>
+                <a:ea typeface="PingFang SC" panose="020B0400000000000000" pitchFamily="34" charset="-122"/>
+                <a:cs typeface="+mj-cs"/>
+              </a:defRPr>
+            </a:lvl1pPr>
+          </a:lstStyle>
+          <a:p>
+            <a:pPr algn="l"/>
+            <a:r>
+              <a:rPr lang="zh-CN" altLang="en-US" sz="3200" dirty="0">
+                <a:solidFill>
+                  <a:srgbClr val="38435D"/>
+                </a:solidFill>
+              </a:rPr>
+              <a:t>状态图</a:t>
+            </a:r>
+            <a:endParaRPr lang="en-US" sz="3200" dirty="0">
+              <a:solidFill>
+                <a:srgbClr val="38435D"/>
+              </a:solidFill>
+            </a:endParaRPr>
+          </a:p>
+        </p:txBody>
+      </p:sp>
+      <p:pic>
+        <p:nvPicPr>
+          <p:cNvPr id="5" name="图片 4">
+            <a:extLst>
+              <a:ext uri="{FF2B5EF4-FFF2-40B4-BE49-F238E27FC236}">
+                <a16:creationId xmlns:a16="http://schemas.microsoft.com/office/drawing/2014/main" id="{5C33CCF9-E3B3-124D-B953-0447418D3D57}"/>
+              </a:ext>
+            </a:extLst>
+          </p:cNvPr>
+          <p:cNvPicPr>
+            <a:picLocks noChangeAspect="1"/>
+          </p:cNvPicPr>
+          <p:nvPr/>
+        </p:nvPicPr>
+        <p:blipFill>
+          <a:blip r:embed="rId2">
+            <a:extLst>
+              <a:ext uri="{28A0092B-C50C-407E-A947-70E740481C1C}">
+                <a14:useLocalDpi xmlns:a14="http://schemas.microsoft.com/office/drawing/2010/main" val="0"/>
+              </a:ext>
+            </a:extLst>
+          </a:blip>
+          <a:stretch>
+            <a:fillRect/>
+          </a:stretch>
+        </p:blipFill>
+        <p:spPr>
+          <a:xfrm>
+            <a:off x="1572648" y="66219"/>
+            <a:ext cx="7571352" cy="5015030"/>
+          </a:xfrm>
+          <a:prstGeom prst="rect">
+            <a:avLst/>
+          </a:prstGeom>
+        </p:spPr>
+      </p:pic>
+    </p:spTree>
+    <p:extLst>
+      <p:ext uri="{BB962C8B-B14F-4D97-AF65-F5344CB8AC3E}">
+        <p14:creationId xmlns:p14="http://schemas.microsoft.com/office/powerpoint/2010/main" val="1423791768"/>
+      </p:ext>
+    </p:extLst>
+  </p:cSld>
+  <p:clrMapOvr>
+    <a:masterClrMapping/>
+  </p:clrMapOvr>
+</p:sld>
+</file>
+
+<file path=ppt/slides/slide13.xml><?xml version="1.0" encoding="utf-8"?>
+<p:sld xmlns:a="http://schemas.openxmlformats.org/drawingml/2006/main" xmlns:r="http://schemas.openxmlformats.org/officeDocument/2006/relationships" xmlns:p="http://schemas.openxmlformats.org/presentationml/2006/main">
+  <p:cSld>
+    <p:spTree>
+      <p:nvGrpSpPr>
+        <p:cNvPr id="1" name=""/>
+        <p:cNvGrpSpPr/>
+        <p:nvPr/>
+      </p:nvGrpSpPr>
+      <p:grpSpPr>
+        <a:xfrm>
+          <a:off x="0" y="0"/>
+          <a:ext cx="0" cy="0"/>
+          <a:chOff x="0" y="0"/>
+          <a:chExt cx="0" cy="0"/>
+        </a:xfrm>
+      </p:grpSpPr>
+      <p:sp>
+        <p:nvSpPr>
           <p:cNvPr id="5" name="Title 1">
             <a:extLst>
               <a:ext uri="{FF2B5EF4-FFF2-40B4-BE49-F238E27FC236}">
@@ -4454,8 +5055,8 @@
         </p:nvSpPr>
         <p:spPr>
           <a:xfrm>
-            <a:off x="467518" y="1808225"/>
-            <a:ext cx="8246070" cy="2748687"/>
+            <a:off x="448965" y="1502815"/>
+            <a:ext cx="8246070" cy="3206805"/>
           </a:xfrm>
         </p:spPr>
         <p:txBody>
@@ -4471,7 +5072,7 @@
             </a:pPr>
             <a:r>
               <a:rPr lang="zh-CN" altLang="en-US" sz="2000" dirty="0"/>
-              <a:t>小组成员介绍及分工</a:t>
+              <a:t>小组成员分工及进度</a:t>
             </a:r>
             <a:endParaRPr lang="en-US" altLang="zh-CN" sz="2000" dirty="0"/>
           </a:p>
@@ -4483,7 +5084,7 @@
             </a:pPr>
             <a:r>
               <a:rPr lang="zh-CN" altLang="en-US" sz="2000" dirty="0"/>
-              <a:t>项目开发计划</a:t>
+              <a:t>用况图</a:t>
             </a:r>
             <a:endParaRPr lang="en-US" altLang="zh-CN" sz="2000" dirty="0"/>
           </a:p>
@@ -4495,7 +5096,7 @@
             </a:pPr>
             <a:r>
               <a:rPr lang="zh-CN" altLang="en-US" sz="2000" dirty="0"/>
-              <a:t>需求捕获</a:t>
+              <a:t>类图</a:t>
             </a:r>
             <a:endParaRPr lang="en-US" altLang="zh-CN" sz="2000" dirty="0"/>
           </a:p>
@@ -4507,7 +5108,7 @@
             </a:pPr>
             <a:r>
               <a:rPr lang="zh-CN" altLang="en-US" sz="2000" dirty="0"/>
-              <a:t>软件需求说明书</a:t>
+              <a:t>顺序图</a:t>
             </a:r>
             <a:endParaRPr lang="en-US" altLang="zh-CN" sz="2000" dirty="0"/>
           </a:p>
@@ -4517,6 +5118,22 @@
                 <a:spcPct val="150000"/>
               </a:lnSpc>
             </a:pPr>
+            <a:r>
+              <a:rPr lang="zh-CN" altLang="en-US" sz="2000" dirty="0"/>
+              <a:t>状态图</a:t>
+            </a:r>
+            <a:endParaRPr lang="en-US" altLang="zh-CN" sz="2000" dirty="0"/>
+          </a:p>
+          <a:p>
+            <a:pPr algn="l">
+              <a:lnSpc>
+                <a:spcPct val="150000"/>
+              </a:lnSpc>
+            </a:pPr>
+            <a:r>
+              <a:rPr lang="zh-CN" altLang="en-US" sz="2000" dirty="0"/>
+              <a:t>包图</a:t>
+            </a:r>
             <a:endParaRPr lang="en-US" altLang="zh-CN" sz="2000" dirty="0"/>
           </a:p>
           <a:p>
@@ -4608,14 +5225,14 @@
             <p:ph idx="1"/>
             <p:extLst>
               <p:ext uri="{D42A27DB-BD31-4B8C-83A1-F6EECF244321}">
-                <p14:modId xmlns:p14="http://schemas.microsoft.com/office/powerpoint/2010/main" val="3534035389"/>
+                <p14:modId xmlns:p14="http://schemas.microsoft.com/office/powerpoint/2010/main" val="3964217800"/>
               </p:ext>
             </p:extLst>
           </p:nvPr>
         </p:nvGraphicFramePr>
         <p:xfrm>
-          <a:off x="2892245" y="1197405"/>
-          <a:ext cx="5955496" cy="3337027"/>
+          <a:off x="2892244" y="1197405"/>
+          <a:ext cx="5955497" cy="3641827"/>
         </p:xfrm>
         <a:graphic>
           <a:graphicData uri="http://schemas.openxmlformats.org/drawingml/2006/table">
@@ -4624,31 +5241,31 @@
                 <a:tableStyleId>{0505E3EF-67EA-436B-97B2-0124C06EBD24}</a:tableStyleId>
               </a:tblPr>
               <a:tblGrid>
-                <a:gridCol w="940344">
+                <a:gridCol w="814964">
                   <a:extLst>
                     <a:ext uri="{9D8B030D-6E8A-4147-A177-3AD203B41FA5}">
                       <a16:colId xmlns:a16="http://schemas.microsoft.com/office/drawing/2014/main" val="1453642301"/>
                     </a:ext>
                   </a:extLst>
                 </a:gridCol>
-                <a:gridCol w="1880681">
+                <a:gridCol w="1434889">
                   <a:extLst>
                     <a:ext uri="{9D8B030D-6E8A-4147-A177-3AD203B41FA5}">
                       <a16:colId xmlns:a16="http://schemas.microsoft.com/office/drawing/2014/main" val="667977665"/>
                     </a:ext>
                   </a:extLst>
                 </a:gridCol>
-                <a:gridCol w="1833970">
+                <a:gridCol w="1415068">
                   <a:extLst>
                     <a:ext uri="{9D8B030D-6E8A-4147-A177-3AD203B41FA5}">
-                      <a16:colId xmlns:a16="http://schemas.microsoft.com/office/drawing/2014/main" val="1595881037"/>
+                      <a16:colId xmlns:a16="http://schemas.microsoft.com/office/drawing/2014/main" val="3126095747"/>
                     </a:ext>
                   </a:extLst>
                 </a:gridCol>
-                <a:gridCol w="1300501">
+                <a:gridCol w="2290576">
                   <a:extLst>
                     <a:ext uri="{9D8B030D-6E8A-4147-A177-3AD203B41FA5}">
-                      <a16:colId xmlns:a16="http://schemas.microsoft.com/office/drawing/2014/main" val="3126095747"/>
+                      <a16:colId xmlns:a16="http://schemas.microsoft.com/office/drawing/2014/main" val="821337448"/>
                     </a:ext>
                   </a:extLst>
                 </a:gridCol>
@@ -4763,21 +5380,7 @@
                           <a:latin typeface="PingFang SC" panose="020B0400000000000000" pitchFamily="34" charset="-122"/>
                           <a:ea typeface="PingFang SC" panose="020B0400000000000000" pitchFamily="34" charset="-122"/>
                         </a:rPr>
-                        <a:t>角色</a:t>
-                      </a:r>
-                      <a:r>
-                        <a:rPr lang="en-US" altLang="zh-CN" dirty="0">
-                          <a:latin typeface="PingFang SC" panose="020B0400000000000000" pitchFamily="34" charset="-122"/>
-                          <a:ea typeface="PingFang SC" panose="020B0400000000000000" pitchFamily="34" charset="-122"/>
-                        </a:rPr>
-                        <a:t>/</a:t>
-                      </a:r>
-                      <a:r>
-                        <a:rPr lang="zh-CN" altLang="en-US" dirty="0">
-                          <a:latin typeface="PingFang SC" panose="020B0400000000000000" pitchFamily="34" charset="-122"/>
-                          <a:ea typeface="PingFang SC" panose="020B0400000000000000" pitchFamily="34" charset="-122"/>
-                        </a:rPr>
-                        <a:t>职责</a:t>
+                        <a:t>工作内容</a:t>
                       </a:r>
                       <a:endParaRPr lang="zh-CN" altLang="en-US" b="0" i="0" dirty="0">
                         <a:latin typeface="PingFang SC" panose="020B0400000000000000" pitchFamily="34" charset="-122"/>
@@ -4822,16 +5425,12 @@
                     <a:p>
                       <a:pPr algn="ctr"/>
                       <a:r>
-                        <a:rPr lang="zh-CN" altLang="en-US" dirty="0">
+                        <a:rPr lang="zh-CN" altLang="en-US" b="1" i="0" dirty="0">
                           <a:latin typeface="PingFang SC" panose="020B0400000000000000" pitchFamily="34" charset="-122"/>
                           <a:ea typeface="PingFang SC" panose="020B0400000000000000" pitchFamily="34" charset="-122"/>
                         </a:rPr>
-                        <a:t>工作内容</a:t>
+                        <a:t>第二阶段分工</a:t>
                       </a:r>
-                      <a:endParaRPr lang="zh-CN" altLang="en-US" b="0" i="0" dirty="0">
-                        <a:latin typeface="PingFang SC" panose="020B0400000000000000" pitchFamily="34" charset="-122"/>
-                        <a:ea typeface="PingFang SC" panose="020B0400000000000000" pitchFamily="34" charset="-122"/>
-                      </a:endParaRPr>
                     </a:p>
                   </a:txBody>
                   <a:tcPr anchor="ctr">
@@ -4964,7 +5563,7 @@
                           <a:latin typeface="PingFang SC" panose="020B0400000000000000" pitchFamily="34" charset="-122"/>
                           <a:ea typeface="PingFang SC" panose="020B0400000000000000" pitchFamily="34" charset="-122"/>
                         </a:rPr>
-                        <a:t>组长</a:t>
+                        <a:t>前端</a:t>
                       </a:r>
                     </a:p>
                   </a:txBody>
@@ -5003,7 +5602,7 @@
                           <a:latin typeface="PingFang SC" panose="020B0400000000000000" pitchFamily="34" charset="-122"/>
                           <a:ea typeface="PingFang SC" panose="020B0400000000000000" pitchFamily="34" charset="-122"/>
                         </a:rPr>
-                        <a:t>前端</a:t>
+                        <a:t>类图（前端）</a:t>
                       </a:r>
                     </a:p>
                   </a:txBody>
@@ -5147,7 +5746,7 @@
                           <a:latin typeface="PingFang SC" panose="020B0400000000000000" pitchFamily="34" charset="-122"/>
                           <a:ea typeface="PingFang SC" panose="020B0400000000000000" pitchFamily="34" charset="-122"/>
                         </a:rPr>
-                        <a:t>组员</a:t>
+                        <a:t>前端</a:t>
                       </a:r>
                     </a:p>
                   </a:txBody>
@@ -5186,7 +5785,7 @@
                           <a:latin typeface="PingFang SC" panose="020B0400000000000000" pitchFamily="34" charset="-122"/>
                           <a:ea typeface="PingFang SC" panose="020B0400000000000000" pitchFamily="34" charset="-122"/>
                         </a:rPr>
-                        <a:t>前端</a:t>
+                        <a:t>状态图</a:t>
                       </a:r>
                     </a:p>
                   </a:txBody>
@@ -5314,7 +5913,7 @@
                           <a:latin typeface="PingFang SC" panose="020B0400000000000000" pitchFamily="34" charset="-122"/>
                           <a:ea typeface="PingFang SC" panose="020B0400000000000000" pitchFamily="34" charset="-122"/>
                         </a:rPr>
-                        <a:t>组员</a:t>
+                        <a:t>前端</a:t>
                       </a:r>
                     </a:p>
                   </a:txBody>
@@ -5353,7 +5952,7 @@
                           <a:latin typeface="PingFang SC" panose="020B0400000000000000" pitchFamily="34" charset="-122"/>
                           <a:ea typeface="PingFang SC" panose="020B0400000000000000" pitchFamily="34" charset="-122"/>
                         </a:rPr>
-                        <a:t>前端</a:t>
+                        <a:t>用况图</a:t>
                       </a:r>
                     </a:p>
                   </a:txBody>
@@ -5481,7 +6080,7 @@
                           <a:latin typeface="PingFang SC" panose="020B0400000000000000" pitchFamily="34" charset="-122"/>
                           <a:ea typeface="PingFang SC" panose="020B0400000000000000" pitchFamily="34" charset="-122"/>
                         </a:rPr>
-                        <a:t>组员</a:t>
+                        <a:t>后端</a:t>
                       </a:r>
                     </a:p>
                   </a:txBody>
@@ -5520,7 +6119,7 @@
                           <a:latin typeface="PingFang SC" panose="020B0400000000000000" pitchFamily="34" charset="-122"/>
                           <a:ea typeface="PingFang SC" panose="020B0400000000000000" pitchFamily="34" charset="-122"/>
                         </a:rPr>
-                        <a:t>后端</a:t>
+                        <a:t>包图</a:t>
                       </a:r>
                     </a:p>
                   </a:txBody>
@@ -5648,7 +6247,7 @@
                           <a:latin typeface="PingFang SC" panose="020B0400000000000000" pitchFamily="34" charset="-122"/>
                           <a:ea typeface="PingFang SC" panose="020B0400000000000000" pitchFamily="34" charset="-122"/>
                         </a:rPr>
-                        <a:t>组员</a:t>
+                        <a:t>后端</a:t>
                       </a:r>
                     </a:p>
                   </a:txBody>
@@ -5687,7 +6286,7 @@
                           <a:latin typeface="PingFang SC" panose="020B0400000000000000" pitchFamily="34" charset="-122"/>
                           <a:ea typeface="PingFang SC" panose="020B0400000000000000" pitchFamily="34" charset="-122"/>
                         </a:rPr>
-                        <a:t>后端</a:t>
+                        <a:t>顺序图</a:t>
                       </a:r>
                     </a:p>
                   </a:txBody>
@@ -5815,7 +6414,7 @@
                           <a:latin typeface="PingFang SC" panose="020B0400000000000000" pitchFamily="34" charset="-122"/>
                           <a:ea typeface="PingFang SC" panose="020B0400000000000000" pitchFamily="34" charset="-122"/>
                         </a:rPr>
-                        <a:t>组员</a:t>
+                        <a:t>后端</a:t>
                       </a:r>
                     </a:p>
                   </a:txBody>
@@ -5854,7 +6453,7 @@
                           <a:latin typeface="PingFang SC" panose="020B0400000000000000" pitchFamily="34" charset="-122"/>
                           <a:ea typeface="PingFang SC" panose="020B0400000000000000" pitchFamily="34" charset="-122"/>
                         </a:rPr>
-                        <a:t>后端</a:t>
+                        <a:t>类图（后端）</a:t>
                       </a:r>
                     </a:p>
                   </a:txBody>
@@ -5982,7 +6581,7 @@
                           <a:latin typeface="PingFang SC" panose="020B0400000000000000" pitchFamily="34" charset="-122"/>
                           <a:ea typeface="PingFang SC" panose="020B0400000000000000" pitchFamily="34" charset="-122"/>
                         </a:rPr>
-                        <a:t>助教</a:t>
+                        <a:t>技术指导</a:t>
                       </a:r>
                     </a:p>
                   </a:txBody>
@@ -6016,13 +6615,10 @@
                     <a:lstStyle/>
                     <a:p>
                       <a:pPr algn="ctr"/>
-                      <a:r>
-                        <a:rPr lang="zh-CN" altLang="en-US" b="0" i="0" dirty="0">
-                          <a:latin typeface="PingFang SC" panose="020B0400000000000000" pitchFamily="34" charset="-122"/>
-                          <a:ea typeface="PingFang SC" panose="020B0400000000000000" pitchFamily="34" charset="-122"/>
-                        </a:rPr>
-                        <a:t>技术指导</a:t>
-                      </a:r>
+                      <a:endParaRPr lang="zh-CN" altLang="en-US" b="0" i="0" dirty="0">
+                        <a:latin typeface="PingFang SC" panose="020B0400000000000000" pitchFamily="34" charset="-122"/>
+                        <a:ea typeface="PingFang SC" panose="020B0400000000000000" pitchFamily="34" charset="-122"/>
+                      </a:endParaRPr>
                     </a:p>
                   </a:txBody>
                   <a:tcPr anchor="ctr">
@@ -6161,7 +6757,7 @@
                           <a:latin typeface="PingFang SC" panose="020B0400000000000000" pitchFamily="34" charset="-122"/>
                           <a:ea typeface="PingFang SC" panose="020B0400000000000000" pitchFamily="34" charset="-122"/>
                         </a:rPr>
-                        <a:t>指导老师</a:t>
+                        <a:t>总指导</a:t>
                       </a:r>
                     </a:p>
                   </a:txBody>
@@ -6201,13 +6797,10 @@
                     <a:lstStyle/>
                     <a:p>
                       <a:pPr algn="ctr"/>
-                      <a:r>
-                        <a:rPr lang="zh-CN" altLang="en-US" b="0" i="0" dirty="0">
-                          <a:latin typeface="PingFang SC" panose="020B0400000000000000" pitchFamily="34" charset="-122"/>
-                          <a:ea typeface="PingFang SC" panose="020B0400000000000000" pitchFamily="34" charset="-122"/>
-                        </a:rPr>
-                        <a:t>总指导</a:t>
-                      </a:r>
+                      <a:endParaRPr lang="zh-CN" altLang="en-US" b="0" i="0" dirty="0">
+                        <a:latin typeface="PingFang SC" panose="020B0400000000000000" pitchFamily="34" charset="-122"/>
+                        <a:ea typeface="PingFang SC" panose="020B0400000000000000" pitchFamily="34" charset="-122"/>
+                      </a:endParaRPr>
                     </a:p>
                   </a:txBody>
                   <a:tcPr anchor="ctr">
@@ -6266,6 +6859,14 @@
 <file path=ppt/slides/slide4.xml><?xml version="1.0" encoding="utf-8"?>
 <p:sld xmlns:a="http://schemas.openxmlformats.org/drawingml/2006/main" xmlns:r="http://schemas.openxmlformats.org/officeDocument/2006/relationships" xmlns:p="http://schemas.openxmlformats.org/presentationml/2006/main">
   <p:cSld>
+    <p:bg>
+      <p:bgPr>
+        <a:solidFill>
+          <a:srgbClr val="313131"/>
+        </a:solidFill>
+        <a:effectLst/>
+      </p:bgPr>
+    </p:bg>
     <p:spTree>
       <p:nvGrpSpPr>
         <p:cNvPr id="1" name=""/>
@@ -6280,37 +6881,48 @@
           <a:chExt cx="0" cy="0"/>
         </a:xfrm>
       </p:grpSpPr>
-      <p:sp>
-        <p:nvSpPr>
-          <p:cNvPr id="4" name="Title 3"/>
-          <p:cNvSpPr>
-            <a:spLocks noGrp="1"/>
-          </p:cNvSpPr>
-          <p:nvPr>
-            <p:ph type="title"/>
-          </p:nvPr>
-        </p:nvSpPr>
-        <p:spPr/>
-        <p:txBody>
-          <a:bodyPr>
-            <a:normAutofit/>
-          </a:bodyPr>
-          <a:lstStyle/>
-          <a:p>
-            <a:r>
-              <a:rPr lang="zh-CN" altLang="en-US" sz="2800" dirty="0"/>
-              <a:t>项目基本信息</a:t>
-            </a:r>
-            <a:endParaRPr lang="en-US" sz="2800" dirty="0"/>
-          </a:p>
-        </p:txBody>
-      </p:sp>
-      <p:sp>
-        <p:nvSpPr>
-          <p:cNvPr id="5" name="矩形 4">
+      <p:pic>
+        <p:nvPicPr>
+          <p:cNvPr id="3" name="图片 2">
             <a:extLst>
               <a:ext uri="{FF2B5EF4-FFF2-40B4-BE49-F238E27FC236}">
-                <a16:creationId xmlns:a16="http://schemas.microsoft.com/office/drawing/2014/main" id="{209A3546-9A41-8A48-8746-19A1FA08B0F2}"/>
+                <a16:creationId xmlns:a16="http://schemas.microsoft.com/office/drawing/2014/main" id="{B6DD8A24-297D-944C-BD89-212EE61D7743}"/>
+              </a:ext>
+            </a:extLst>
+          </p:cNvPr>
+          <p:cNvPicPr>
+            <a:picLocks noChangeAspect="1"/>
+          </p:cNvPicPr>
+          <p:nvPr/>
+        </p:nvPicPr>
+        <p:blipFill>
+          <a:blip r:embed="rId2">
+            <a:extLst>
+              <a:ext uri="{28A0092B-C50C-407E-A947-70E740481C1C}">
+                <a14:useLocalDpi xmlns:a14="http://schemas.microsoft.com/office/drawing/2010/main" val="0"/>
+              </a:ext>
+            </a:extLst>
+          </a:blip>
+          <a:stretch>
+            <a:fillRect/>
+          </a:stretch>
+        </p:blipFill>
+        <p:spPr>
+          <a:xfrm>
+            <a:off x="381666" y="0"/>
+            <a:ext cx="8380668" cy="5143500"/>
+          </a:xfrm>
+          <a:prstGeom prst="rect">
+            <a:avLst/>
+          </a:prstGeom>
+        </p:spPr>
+      </p:pic>
+      <p:sp>
+        <p:nvSpPr>
+          <p:cNvPr id="2" name="矩形 1">
+            <a:extLst>
+              <a:ext uri="{FF2B5EF4-FFF2-40B4-BE49-F238E27FC236}">
+                <a16:creationId xmlns:a16="http://schemas.microsoft.com/office/drawing/2014/main" id="{D983FB84-C00A-9142-8590-F338C8FDE950}"/>
               </a:ext>
             </a:extLst>
           </p:cNvPr>
@@ -6319,43 +6931,49 @@
         </p:nvSpPr>
         <p:spPr>
           <a:xfrm>
-            <a:off x="2892245" y="1655520"/>
-            <a:ext cx="6251755" cy="1614096"/>
+            <a:off x="3197655" y="2113635"/>
+            <a:ext cx="1679755" cy="1679755"/>
           </a:xfrm>
           <a:prstGeom prst="rect">
             <a:avLst/>
           </a:prstGeom>
+          <a:noFill/>
+          <a:ln>
+            <a:solidFill>
+              <a:srgbClr val="00B0F0"/>
+            </a:solidFill>
+            <a:prstDash val="dash"/>
+          </a:ln>
         </p:spPr>
-        <p:txBody>
-          <a:bodyPr wrap="square">
-            <a:spAutoFit/>
-          </a:bodyPr>
+        <p:style>
+          <a:lnRef idx="2">
+            <a:schemeClr val="accent1">
+              <a:shade val="50000"/>
+            </a:schemeClr>
+          </a:lnRef>
+          <a:fillRef idx="1">
+            <a:schemeClr val="accent1"/>
+          </a:fillRef>
+          <a:effectRef idx="0">
+            <a:schemeClr val="accent1"/>
+          </a:effectRef>
+          <a:fontRef idx="minor">
+            <a:schemeClr val="lt1"/>
+          </a:fontRef>
+        </p:style>
+        <p:txBody>
+          <a:bodyPr rtlCol="0" anchor="ctr"/>
           <a:lstStyle/>
           <a:p>
-            <a:pPr>
-              <a:lnSpc>
-                <a:spcPct val="125000"/>
-              </a:lnSpc>
-            </a:pPr>
-            <a:r>
-              <a:rPr lang="zh-CN" altLang="en-US" sz="1600" dirty="0">
-                <a:latin typeface="PingFang SC" panose="020B0400000000000000" pitchFamily="34" charset="-122"/>
-                <a:ea typeface="PingFang SC" panose="020B0400000000000000" pitchFamily="34" charset="-122"/>
-              </a:rPr>
-              <a:t>本项目试图建立一个旅游服务系统，用户可以在系统里记录自己过去或未来的行程，看到自己都到过哪些地方。本系统还试图依靠好友关系进行智能推荐，例如在相近的时间段规划了相同的行程的好友会得到建议，方便找到一起出行的朋友。用户也可以知道过去有哪些好友去过某个目的地，方便从他们那里获取信息、寻找建议等。</a:t>
-            </a:r>
-            <a:endParaRPr lang="zh-CN" altLang="en-US" sz="1600" dirty="0">
-              <a:effectLst/>
-              <a:latin typeface="PingFang SC" panose="020B0400000000000000" pitchFamily="34" charset="-122"/>
-              <a:ea typeface="PingFang SC" panose="020B0400000000000000" pitchFamily="34" charset="-122"/>
-            </a:endParaRPr>
+            <a:pPr algn="ctr"/>
+            <a:endParaRPr kumimoji="1" lang="zh-CN" altLang="en-US" dirty="0"/>
           </a:p>
         </p:txBody>
       </p:sp>
     </p:spTree>
     <p:extLst>
       <p:ext uri="{BB962C8B-B14F-4D97-AF65-F5344CB8AC3E}">
-        <p14:creationId xmlns:p14="http://schemas.microsoft.com/office/powerpoint/2010/main" val="1537747024"/>
+        <p14:creationId xmlns:p14="http://schemas.microsoft.com/office/powerpoint/2010/main" val="3818114212"/>
       </p:ext>
     </p:extLst>
   </p:cSld>
@@ -6384,72 +7002,80 @@
       </p:grpSpPr>
       <p:sp>
         <p:nvSpPr>
-          <p:cNvPr id="2" name="标题 1">
+          <p:cNvPr id="4" name="Title 3"/>
+          <p:cNvSpPr>
+            <a:spLocks noGrp="1"/>
+          </p:cNvSpPr>
+          <p:nvPr>
+            <p:ph type="title"/>
+          </p:nvPr>
+        </p:nvSpPr>
+        <p:spPr/>
+        <p:txBody>
+          <a:bodyPr>
+            <a:normAutofit/>
+          </a:bodyPr>
+          <a:lstStyle/>
+          <a:p>
+            <a:r>
+              <a:rPr lang="zh-CN" altLang="en-US" sz="2800" dirty="0"/>
+              <a:t>项目基本信息</a:t>
+            </a:r>
+            <a:endParaRPr lang="en-US" sz="2800" dirty="0"/>
+          </a:p>
+        </p:txBody>
+      </p:sp>
+      <p:sp>
+        <p:nvSpPr>
+          <p:cNvPr id="5" name="矩形 4">
             <a:extLst>
               <a:ext uri="{FF2B5EF4-FFF2-40B4-BE49-F238E27FC236}">
-                <a16:creationId xmlns:a16="http://schemas.microsoft.com/office/drawing/2014/main" id="{54869CAB-FF17-419D-BC24-DFC8660280C2}"/>
+                <a16:creationId xmlns:a16="http://schemas.microsoft.com/office/drawing/2014/main" id="{209A3546-9A41-8A48-8746-19A1FA08B0F2}"/>
               </a:ext>
             </a:extLst>
           </p:cNvPr>
-          <p:cNvSpPr>
-            <a:spLocks noGrp="1"/>
-          </p:cNvSpPr>
-          <p:nvPr>
-            <p:ph type="title"/>
-          </p:nvPr>
-        </p:nvSpPr>
-        <p:spPr/>
-        <p:txBody>
-          <a:bodyPr/>
-          <a:lstStyle/>
-          <a:p>
-            <a:r>
-              <a:rPr lang="zh-CN" altLang="en-US" dirty="0"/>
-              <a:t>用况图</a:t>
-            </a:r>
-            <a:endParaRPr lang="en-US" dirty="0"/>
-          </a:p>
-        </p:txBody>
-      </p:sp>
-      <p:pic>
-        <p:nvPicPr>
-          <p:cNvPr id="5" name="内容占位符 4">
-            <a:extLst>
-              <a:ext uri="{FF2B5EF4-FFF2-40B4-BE49-F238E27FC236}">
-                <a16:creationId xmlns:a16="http://schemas.microsoft.com/office/drawing/2014/main" id="{556D92F4-45D0-488E-B063-F3428913BED0}"/>
-              </a:ext>
-            </a:extLst>
-          </p:cNvPr>
-          <p:cNvPicPr>
-            <a:picLocks noGrp="1" noChangeAspect="1"/>
-          </p:cNvPicPr>
-          <p:nvPr>
-            <p:ph idx="1"/>
-          </p:nvPr>
-        </p:nvPicPr>
-        <p:blipFill>
-          <a:blip r:embed="rId2" cstate="print">
-            <a:extLst>
-              <a:ext uri="{28A0092B-C50C-407E-A947-70E740481C1C}">
-                <a14:useLocalDpi xmlns:a14="http://schemas.microsoft.com/office/drawing/2010/main" val="0"/>
-              </a:ext>
-            </a:extLst>
-          </a:blip>
-          <a:stretch>
-            <a:fillRect/>
-          </a:stretch>
-        </p:blipFill>
+          <p:cNvSpPr/>
+          <p:nvPr/>
+        </p:nvSpPr>
         <p:spPr>
           <a:xfrm>
-            <a:off x="3655770" y="1147308"/>
-            <a:ext cx="4078122" cy="3690267"/>
+            <a:off x="2892245" y="1655520"/>
+            <a:ext cx="6251755" cy="1614096"/>
           </a:xfrm>
+          <a:prstGeom prst="rect">
+            <a:avLst/>
+          </a:prstGeom>
         </p:spPr>
-      </p:pic>
+        <p:txBody>
+          <a:bodyPr wrap="square">
+            <a:spAutoFit/>
+          </a:bodyPr>
+          <a:lstStyle/>
+          <a:p>
+            <a:pPr>
+              <a:lnSpc>
+                <a:spcPct val="125000"/>
+              </a:lnSpc>
+            </a:pPr>
+            <a:r>
+              <a:rPr lang="zh-CN" altLang="en-US" sz="1600" dirty="0">
+                <a:latin typeface="PingFang SC" panose="020B0400000000000000" pitchFamily="34" charset="-122"/>
+                <a:ea typeface="PingFang SC" panose="020B0400000000000000" pitchFamily="34" charset="-122"/>
+              </a:rPr>
+              <a:t>本项目试图建立一个旅游服务系统，用户可以在系统里记录自己过去或未来的行程，看到自己都到过哪些地方。本系统还试图依靠好友关系进行智能推荐，例如在相近的时间段规划了相同的行程的好友会得到建议，方便找到一起出行的朋友。用户也可以知道过去有哪些好友去过某个目的地，方便从他们那里获取信息、寻找建议等。</a:t>
+            </a:r>
+            <a:endParaRPr lang="zh-CN" altLang="en-US" sz="1600" dirty="0">
+              <a:effectLst/>
+              <a:latin typeface="PingFang SC" panose="020B0400000000000000" pitchFamily="34" charset="-122"/>
+              <a:ea typeface="PingFang SC" panose="020B0400000000000000" pitchFamily="34" charset="-122"/>
+            </a:endParaRPr>
+          </a:p>
+        </p:txBody>
+      </p:sp>
     </p:spTree>
     <p:extLst>
       <p:ext uri="{BB962C8B-B14F-4D97-AF65-F5344CB8AC3E}">
-        <p14:creationId xmlns:p14="http://schemas.microsoft.com/office/powerpoint/2010/main" val="2451724335"/>
+        <p14:creationId xmlns:p14="http://schemas.microsoft.com/office/powerpoint/2010/main" val="1537747024"/>
       </p:ext>
     </p:extLst>
   </p:cSld>
@@ -6478,30 +7104,72 @@
       </p:grpSpPr>
       <p:sp>
         <p:nvSpPr>
-          <p:cNvPr id="2" name="Title 1"/>
-          <p:cNvSpPr>
-            <a:spLocks noGrp="1"/>
-          </p:cNvSpPr>
-          <p:nvPr>
-            <p:ph type="title"/>
-          </p:nvPr>
-        </p:nvSpPr>
-        <p:spPr/>
+          <p:cNvPr id="2" name="标题 1">
+            <a:extLst>
+              <a:ext uri="{FF2B5EF4-FFF2-40B4-BE49-F238E27FC236}">
+                <a16:creationId xmlns:a16="http://schemas.microsoft.com/office/drawing/2014/main" id="{DBBE7A1B-91F0-DB40-8CC7-970D06FD7D2B}"/>
+              </a:ext>
+            </a:extLst>
+          </p:cNvPr>
+          <p:cNvSpPr txBox="1">
+            <a:spLocks/>
+          </p:cNvSpPr>
+          <p:nvPr/>
+        </p:nvSpPr>
+        <p:spPr>
+          <a:xfrm>
+            <a:off x="0" y="0"/>
+            <a:ext cx="5802789" cy="725349"/>
+          </a:xfrm>
+          <a:prstGeom prst="rect">
+            <a:avLst/>
+          </a:prstGeom>
+        </p:spPr>
         <p:txBody>
           <a:bodyPr/>
-          <a:lstStyle/>
-          <a:p>
-            <a:r>
-              <a:rPr lang="zh-CN" altLang="en-US" dirty="0"/>
-              <a:t>顺序图</a:t>
-            </a:r>
-            <a:endParaRPr lang="en-US" dirty="0"/>
+          <a:lstStyle>
+            <a:lvl1pPr algn="ctr" defTabSz="914400" rtl="0" eaLnBrk="1" latinLnBrk="0" hangingPunct="1">
+              <a:spcBef>
+                <a:spcPct val="0"/>
+              </a:spcBef>
+              <a:buNone/>
+              <a:defRPr sz="4400" b="0" i="0" kern="1200">
+                <a:solidFill>
+                  <a:schemeClr val="tx1"/>
+                </a:solidFill>
+                <a:latin typeface="PingFang SC" panose="020B0400000000000000" pitchFamily="34" charset="-122"/>
+                <a:ea typeface="PingFang SC" panose="020B0400000000000000" pitchFamily="34" charset="-122"/>
+                <a:cs typeface="+mj-cs"/>
+              </a:defRPr>
+            </a:lvl1pPr>
+          </a:lstStyle>
+          <a:p>
+            <a:pPr algn="l"/>
+            <a:r>
+              <a:rPr lang="zh-CN" altLang="en-US" sz="3200" dirty="0">
+                <a:solidFill>
+                  <a:srgbClr val="38435D"/>
+                </a:solidFill>
+              </a:rPr>
+              <a:t>用况图</a:t>
+            </a:r>
+            <a:endParaRPr lang="en-US" sz="3200" dirty="0">
+              <a:solidFill>
+                <a:srgbClr val="38435D"/>
+              </a:solidFill>
+            </a:endParaRPr>
           </a:p>
         </p:txBody>
       </p:sp>
       <p:pic>
         <p:nvPicPr>
-          <p:cNvPr id="50" name="Picture 49" descr="Screen Clipping"/>
+          <p:cNvPr id="3" name="内容占位符 4">
+            <a:extLst>
+              <a:ext uri="{FF2B5EF4-FFF2-40B4-BE49-F238E27FC236}">
+                <a16:creationId xmlns:a16="http://schemas.microsoft.com/office/drawing/2014/main" id="{E07F4264-072F-0649-9650-B9FDEC857BA3}"/>
+              </a:ext>
+            </a:extLst>
+          </p:cNvPr>
           <p:cNvPicPr>
             <a:picLocks noChangeAspect="1"/>
           </p:cNvPicPr>
@@ -6521,80 +7189,8 @@
         </p:blipFill>
         <p:spPr>
           <a:xfrm>
-            <a:off x="7015280" y="1362227"/>
-            <a:ext cx="3570761" cy="2571750"/>
-          </a:xfrm>
-          <a:prstGeom prst="rect">
-            <a:avLst/>
-          </a:prstGeom>
-        </p:spPr>
-      </p:pic>
-      <p:sp>
-        <p:nvSpPr>
-          <p:cNvPr id="51" name="TextBox 50"/>
-          <p:cNvSpPr txBox="1"/>
-          <p:nvPr/>
-        </p:nvSpPr>
-        <p:spPr>
-          <a:xfrm>
-            <a:off x="4419295" y="3964427"/>
-            <a:ext cx="5039265" cy="369332"/>
-          </a:xfrm>
-          <a:prstGeom prst="rect">
-            <a:avLst/>
-          </a:prstGeom>
-          <a:noFill/>
-        </p:spPr>
-        <p:txBody>
-          <a:bodyPr wrap="square" rtlCol="0">
-            <a:spAutoFit/>
-          </a:bodyPr>
-          <a:lstStyle/>
-          <a:p>
-            <a:r>
-              <a:rPr lang="zh-CN" altLang="en-US" b="1" dirty="0">
-                <a:solidFill>
-                  <a:schemeClr val="dk1"/>
-                </a:solidFill>
-                <a:latin typeface="PingFang SC" panose="020B0400000000000000" pitchFamily="34" charset="-122"/>
-                <a:ea typeface="PingFang SC" panose="020B0400000000000000" pitchFamily="34" charset="-122"/>
-              </a:rPr>
-              <a:t>注册                                                                 登陆  </a:t>
-            </a:r>
-            <a:endParaRPr lang="en-US" b="1" dirty="0">
-              <a:solidFill>
-                <a:schemeClr val="dk1"/>
-              </a:solidFill>
-              <a:latin typeface="PingFang SC" panose="020B0400000000000000" pitchFamily="34" charset="-122"/>
-              <a:ea typeface="PingFang SC" panose="020B0400000000000000" pitchFamily="34" charset="-122"/>
-            </a:endParaRPr>
-          </a:p>
-        </p:txBody>
-      </p:sp>
-      <p:pic>
-        <p:nvPicPr>
-          <p:cNvPr id="3" name="Picture 2" descr="Screen Clipping"/>
-          <p:cNvPicPr>
-            <a:picLocks noChangeAspect="1"/>
-          </p:cNvPicPr>
-          <p:nvPr/>
-        </p:nvPicPr>
-        <p:blipFill>
-          <a:blip r:embed="rId3" cstate="print">
-            <a:extLst>
-              <a:ext uri="{28A0092B-C50C-407E-A947-70E740481C1C}">
-                <a14:useLocalDpi xmlns:a14="http://schemas.microsoft.com/office/drawing/2010/main" val="0"/>
-              </a:ext>
-            </a:extLst>
-          </a:blip>
-          <a:stretch>
-            <a:fillRect/>
-          </a:stretch>
-        </p:blipFill>
-        <p:spPr>
-          <a:xfrm>
-            <a:off x="2966110" y="1330545"/>
-            <a:ext cx="3609637" cy="2626309"/>
+            <a:off x="1517900" y="84478"/>
+            <a:ext cx="5497380" cy="4974544"/>
           </a:xfrm>
           <a:prstGeom prst="rect">
             <a:avLst/>
@@ -6604,7 +7200,7 @@
     </p:spTree>
     <p:extLst>
       <p:ext uri="{BB962C8B-B14F-4D97-AF65-F5344CB8AC3E}">
-        <p14:creationId xmlns:p14="http://schemas.microsoft.com/office/powerpoint/2010/main" val="1275848366"/>
+        <p14:creationId xmlns:p14="http://schemas.microsoft.com/office/powerpoint/2010/main" val="4101575375"/>
       </p:ext>
     </p:extLst>
   </p:cSld>
@@ -6633,84 +7229,79 @@
       </p:grpSpPr>
       <p:sp>
         <p:nvSpPr>
-          <p:cNvPr id="6" name="TextBox 5"/>
-          <p:cNvSpPr txBox="1"/>
+          <p:cNvPr id="2" name="标题 1">
+            <a:extLst>
+              <a:ext uri="{FF2B5EF4-FFF2-40B4-BE49-F238E27FC236}">
+                <a16:creationId xmlns:a16="http://schemas.microsoft.com/office/drawing/2014/main" id="{DBBE7A1B-91F0-DB40-8CC7-970D06FD7D2B}"/>
+              </a:ext>
+            </a:extLst>
+          </p:cNvPr>
+          <p:cNvSpPr txBox="1">
+            <a:spLocks/>
+          </p:cNvSpPr>
           <p:nvPr/>
         </p:nvSpPr>
         <p:spPr>
           <a:xfrm>
-            <a:off x="3961180" y="3946095"/>
-            <a:ext cx="6108200" cy="369332"/>
+            <a:off x="0" y="0"/>
+            <a:ext cx="5802789" cy="725349"/>
           </a:xfrm>
           <a:prstGeom prst="rect">
             <a:avLst/>
           </a:prstGeom>
-          <a:noFill/>
         </p:spPr>
         <p:txBody>
-          <a:bodyPr wrap="square" rtlCol="0">
-            <a:spAutoFit/>
-          </a:bodyPr>
-          <a:lstStyle/>
-          <a:p>
-            <a:r>
-              <a:rPr lang="zh-CN" altLang="en-US" b="1" dirty="0">
+          <a:bodyPr/>
+          <a:lstStyle>
+            <a:lvl1pPr algn="ctr" defTabSz="914400" rtl="0" eaLnBrk="1" latinLnBrk="0" hangingPunct="1">
+              <a:spcBef>
+                <a:spcPct val="0"/>
+              </a:spcBef>
+              <a:buNone/>
+              <a:defRPr sz="4400" b="0" i="0" kern="1200">
                 <a:solidFill>
-                  <a:schemeClr val="dk1"/>
+                  <a:schemeClr val="tx1"/>
                 </a:solidFill>
                 <a:latin typeface="PingFang SC" panose="020B0400000000000000" pitchFamily="34" charset="-122"/>
                 <a:ea typeface="PingFang SC" panose="020B0400000000000000" pitchFamily="34" charset="-122"/>
+                <a:cs typeface="+mj-cs"/>
+              </a:defRPr>
+            </a:lvl1pPr>
+          </a:lstStyle>
+          <a:p>
+            <a:pPr algn="l"/>
+            <a:r>
+              <a:rPr lang="zh-CN" altLang="en-US" sz="3200" dirty="0">
+                <a:solidFill>
+                  <a:srgbClr val="38435D"/>
+                </a:solidFill>
               </a:rPr>
-              <a:t>  添加行迹                                                   向行迹中关联好友  </a:t>
-            </a:r>
-            <a:endParaRPr lang="en-US" b="1" dirty="0">
+              <a:t>类图（前端）</a:t>
+            </a:r>
+            <a:endParaRPr lang="en-US" sz="3200" dirty="0">
               <a:solidFill>
-                <a:schemeClr val="dk1"/>
+                <a:srgbClr val="38435D"/>
               </a:solidFill>
-              <a:latin typeface="PingFang SC" panose="020B0400000000000000" pitchFamily="34" charset="-122"/>
-              <a:ea typeface="PingFang SC" panose="020B0400000000000000" pitchFamily="34" charset="-122"/>
             </a:endParaRPr>
-          </a:p>
-        </p:txBody>
-      </p:sp>
-      <p:sp>
-        <p:nvSpPr>
-          <p:cNvPr id="8" name="Title 1"/>
-          <p:cNvSpPr>
-            <a:spLocks noGrp="1"/>
-          </p:cNvSpPr>
-          <p:nvPr>
-            <p:ph type="title"/>
-          </p:nvPr>
-        </p:nvSpPr>
-        <p:spPr>
-          <a:xfrm>
-            <a:off x="2892245" y="433880"/>
-            <a:ext cx="5802789" cy="725349"/>
-          </a:xfrm>
-        </p:spPr>
-        <p:txBody>
-          <a:bodyPr/>
-          <a:lstStyle/>
-          <a:p>
-            <a:r>
-              <a:rPr lang="zh-CN" altLang="en-US" dirty="0"/>
-              <a:t>顺序图</a:t>
-            </a:r>
-            <a:endParaRPr lang="en-US" dirty="0"/>
           </a:p>
         </p:txBody>
       </p:sp>
       <p:pic>
         <p:nvPicPr>
-          <p:cNvPr id="2" name="Picture 1" descr="Screen Clipping"/>
+          <p:cNvPr id="9" name="图片 8">
+            <a:extLst>
+              <a:ext uri="{FF2B5EF4-FFF2-40B4-BE49-F238E27FC236}">
+                <a16:creationId xmlns:a16="http://schemas.microsoft.com/office/drawing/2014/main" id="{68CE4273-C819-594D-8CD8-1A6B40A7D9E6}"/>
+              </a:ext>
+            </a:extLst>
+          </p:cNvPr>
           <p:cNvPicPr>
             <a:picLocks noChangeAspect="1"/>
           </p:cNvPicPr>
           <p:nvPr/>
         </p:nvPicPr>
         <p:blipFill>
-          <a:blip r:embed="rId2" cstate="print">
+          <a:blip r:embed="rId2">
             <a:extLst>
               <a:ext uri="{28A0092B-C50C-407E-A947-70E740481C1C}">
                 <a14:useLocalDpi xmlns:a14="http://schemas.microsoft.com/office/drawing/2010/main" val="0"/>
@@ -6723,38 +7314,8 @@
         </p:blipFill>
         <p:spPr>
           <a:xfrm>
-            <a:off x="2960588" y="1295655"/>
-            <a:ext cx="3512215" cy="2543744"/>
-          </a:xfrm>
-          <a:prstGeom prst="rect">
-            <a:avLst/>
-          </a:prstGeom>
-        </p:spPr>
-      </p:pic>
-      <p:pic>
-        <p:nvPicPr>
-          <p:cNvPr id="3" name="Picture 2" descr="Screen Clipping"/>
-          <p:cNvPicPr>
-            <a:picLocks noChangeAspect="1"/>
-          </p:cNvPicPr>
-          <p:nvPr/>
-        </p:nvPicPr>
-        <p:blipFill>
-          <a:blip r:embed="rId3" cstate="print">
-            <a:extLst>
-              <a:ext uri="{28A0092B-C50C-407E-A947-70E740481C1C}">
-                <a14:useLocalDpi xmlns:a14="http://schemas.microsoft.com/office/drawing/2010/main" val="0"/>
-              </a:ext>
-            </a:extLst>
-          </a:blip>
-          <a:stretch>
-            <a:fillRect/>
-          </a:stretch>
-        </p:blipFill>
-        <p:spPr>
-          <a:xfrm>
-            <a:off x="7167985" y="1320995"/>
-            <a:ext cx="3469649" cy="2463334"/>
+            <a:off x="913400" y="388703"/>
+            <a:ext cx="7317200" cy="4754797"/>
           </a:xfrm>
           <a:prstGeom prst="rect">
             <a:avLst/>
@@ -6764,7 +7325,7 @@
     </p:spTree>
     <p:extLst>
       <p:ext uri="{BB962C8B-B14F-4D97-AF65-F5344CB8AC3E}">
-        <p14:creationId xmlns:p14="http://schemas.microsoft.com/office/powerpoint/2010/main" val="967551971"/>
+        <p14:creationId xmlns:p14="http://schemas.microsoft.com/office/powerpoint/2010/main" val="1575280232"/>
       </p:ext>
     </p:extLst>
   </p:cSld>
@@ -6793,72 +7354,67 @@
       </p:grpSpPr>
       <p:sp>
         <p:nvSpPr>
-          <p:cNvPr id="8" name="Title 1"/>
-          <p:cNvSpPr>
-            <a:spLocks noGrp="1"/>
-          </p:cNvSpPr>
-          <p:nvPr>
-            <p:ph type="title"/>
-          </p:nvPr>
-        </p:nvSpPr>
-        <p:spPr>
-          <a:xfrm>
-            <a:off x="2892245" y="433880"/>
-            <a:ext cx="5802789" cy="725349"/>
-          </a:xfrm>
-        </p:spPr>
-        <p:txBody>
-          <a:bodyPr/>
-          <a:lstStyle/>
-          <a:p>
-            <a:r>
-              <a:rPr lang="zh-CN" altLang="en-US" dirty="0"/>
-              <a:t>状态图</a:t>
-            </a:r>
-            <a:endParaRPr lang="en-US" dirty="0"/>
-          </a:p>
-        </p:txBody>
-      </p:sp>
-      <p:pic>
-        <p:nvPicPr>
-          <p:cNvPr id="3" name="图片 2">
+          <p:cNvPr id="2" name="标题 1">
             <a:extLst>
               <a:ext uri="{FF2B5EF4-FFF2-40B4-BE49-F238E27FC236}">
-                <a16:creationId xmlns:a16="http://schemas.microsoft.com/office/drawing/2014/main" id="{E550DC7B-0C8F-4602-A1F3-AFD0F4F11BF9}"/>
+                <a16:creationId xmlns:a16="http://schemas.microsoft.com/office/drawing/2014/main" id="{126DA462-5863-234D-8F9F-419B49D84119}"/>
               </a:ext>
             </a:extLst>
           </p:cNvPr>
-          <p:cNvPicPr>
-            <a:picLocks noChangeAspect="1"/>
-          </p:cNvPicPr>
+          <p:cNvSpPr txBox="1">
+            <a:spLocks/>
+          </p:cNvSpPr>
           <p:nvPr/>
-        </p:nvPicPr>
-        <p:blipFill>
-          <a:blip r:embed="rId2">
-            <a:extLst>
-              <a:ext uri="{28A0092B-C50C-407E-A947-70E740481C1C}">
-                <a14:useLocalDpi xmlns:a14="http://schemas.microsoft.com/office/drawing/2010/main" val="0"/>
-              </a:ext>
-            </a:extLst>
-          </a:blip>
-          <a:stretch>
-            <a:fillRect/>
-          </a:stretch>
-        </p:blipFill>
+        </p:nvSpPr>
         <p:spPr>
           <a:xfrm>
-            <a:off x="3044950" y="1159229"/>
-            <a:ext cx="5802789" cy="3843588"/>
+            <a:off x="0" y="0"/>
+            <a:ext cx="5802789" cy="725349"/>
           </a:xfrm>
           <a:prstGeom prst="rect">
             <a:avLst/>
           </a:prstGeom>
         </p:spPr>
-      </p:pic>
+        <p:txBody>
+          <a:bodyPr/>
+          <a:lstStyle>
+            <a:lvl1pPr algn="ctr" defTabSz="914400" rtl="0" eaLnBrk="1" latinLnBrk="0" hangingPunct="1">
+              <a:spcBef>
+                <a:spcPct val="0"/>
+              </a:spcBef>
+              <a:buNone/>
+              <a:defRPr sz="4400" b="0" i="0" kern="1200">
+                <a:solidFill>
+                  <a:schemeClr val="tx1"/>
+                </a:solidFill>
+                <a:latin typeface="PingFang SC" panose="020B0400000000000000" pitchFamily="34" charset="-122"/>
+                <a:ea typeface="PingFang SC" panose="020B0400000000000000" pitchFamily="34" charset="-122"/>
+                <a:cs typeface="+mj-cs"/>
+              </a:defRPr>
+            </a:lvl1pPr>
+          </a:lstStyle>
+          <a:p>
+            <a:pPr algn="l"/>
+            <a:r>
+              <a:rPr lang="zh-CN" altLang="en-US" sz="3200" dirty="0">
+                <a:solidFill>
+                  <a:srgbClr val="38435D"/>
+                </a:solidFill>
+              </a:rPr>
+              <a:t>类图（后端）</a:t>
+            </a:r>
+            <a:endParaRPr lang="en-US" sz="3200" dirty="0">
+              <a:solidFill>
+                <a:srgbClr val="38435D"/>
+              </a:solidFill>
+            </a:endParaRPr>
+          </a:p>
+        </p:txBody>
+      </p:sp>
     </p:spTree>
     <p:extLst>
       <p:ext uri="{BB962C8B-B14F-4D97-AF65-F5344CB8AC3E}">
-        <p14:creationId xmlns:p14="http://schemas.microsoft.com/office/powerpoint/2010/main" val="1916086550"/>
+        <p14:creationId xmlns:p14="http://schemas.microsoft.com/office/powerpoint/2010/main" val="758059456"/>
       </p:ext>
     </p:extLst>
   </p:cSld>
@@ -6887,38 +7443,69 @@
       </p:grpSpPr>
       <p:sp>
         <p:nvSpPr>
-          <p:cNvPr id="8" name="Title 1"/>
-          <p:cNvSpPr>
-            <a:spLocks noGrp="1"/>
-          </p:cNvSpPr>
-          <p:nvPr>
-            <p:ph type="title"/>
-          </p:nvPr>
+          <p:cNvPr id="2" name="标题 1">
+            <a:extLst>
+              <a:ext uri="{FF2B5EF4-FFF2-40B4-BE49-F238E27FC236}">
+                <a16:creationId xmlns:a16="http://schemas.microsoft.com/office/drawing/2014/main" id="{DBBE7A1B-91F0-DB40-8CC7-970D06FD7D2B}"/>
+              </a:ext>
+            </a:extLst>
+          </p:cNvPr>
+          <p:cNvSpPr txBox="1">
+            <a:spLocks/>
+          </p:cNvSpPr>
+          <p:nvPr/>
         </p:nvSpPr>
         <p:spPr>
           <a:xfrm>
-            <a:off x="2892245" y="433880"/>
+            <a:off x="0" y="0"/>
             <a:ext cx="5802789" cy="725349"/>
           </a:xfrm>
+          <a:prstGeom prst="rect">
+            <a:avLst/>
+          </a:prstGeom>
         </p:spPr>
         <p:txBody>
           <a:bodyPr/>
-          <a:lstStyle/>
-          <a:p>
-            <a:r>
-              <a:rPr lang="zh-CN" altLang="en-US" dirty="0"/>
-              <a:t>状态图</a:t>
-            </a:r>
-            <a:endParaRPr lang="en-US" dirty="0"/>
+          <a:lstStyle>
+            <a:lvl1pPr algn="ctr" defTabSz="914400" rtl="0" eaLnBrk="1" latinLnBrk="0" hangingPunct="1">
+              <a:spcBef>
+                <a:spcPct val="0"/>
+              </a:spcBef>
+              <a:buNone/>
+              <a:defRPr sz="4400" b="0" i="0" kern="1200">
+                <a:solidFill>
+                  <a:schemeClr val="tx1"/>
+                </a:solidFill>
+                <a:latin typeface="PingFang SC" panose="020B0400000000000000" pitchFamily="34" charset="-122"/>
+                <a:ea typeface="PingFang SC" panose="020B0400000000000000" pitchFamily="34" charset="-122"/>
+                <a:cs typeface="+mj-cs"/>
+              </a:defRPr>
+            </a:lvl1pPr>
+          </a:lstStyle>
+          <a:p>
+            <a:pPr algn="l"/>
+            <a:r>
+              <a:rPr lang="zh-CN" altLang="en-US" sz="3200" dirty="0">
+                <a:solidFill>
+                  <a:srgbClr val="38435D"/>
+                </a:solidFill>
+              </a:rPr>
+              <a:t>顺序图</a:t>
+            </a:r>
+            <a:endParaRPr lang="en-US" sz="3200" dirty="0">
+              <a:solidFill>
+                <a:srgbClr val="38435D"/>
+              </a:solidFill>
+            </a:endParaRPr>
           </a:p>
         </p:txBody>
       </p:sp>
       <p:pic>
         <p:nvPicPr>
-          <p:cNvPr id="4" name="图片 3">
+          <p:cNvPr id="4" name="Picture 49" descr="Screen Clipping">
             <a:extLst>
               <a:ext uri="{FF2B5EF4-FFF2-40B4-BE49-F238E27FC236}">
-                <a16:creationId xmlns:a16="http://schemas.microsoft.com/office/drawing/2014/main" id="{B57280C8-45A9-4560-98D1-48C6F463CC94}"/>
+                <a16:creationId xmlns:a16="http://schemas.microsoft.com/office/drawing/2014/main" id="{348B5131-83B7-6B4E-BEEB-93616FD9E9EF}"/>
               </a:ext>
             </a:extLst>
           </p:cNvPr>
@@ -6928,7 +7515,7 @@
           <p:nvPr/>
         </p:nvPicPr>
         <p:blipFill>
-          <a:blip r:embed="rId2">
+          <a:blip r:embed="rId2" cstate="print">
             <a:extLst>
               <a:ext uri="{28A0092B-C50C-407E-A947-70E740481C1C}">
                 <a14:useLocalDpi xmlns:a14="http://schemas.microsoft.com/office/drawing/2010/main" val="0"/>
@@ -6941,18 +7528,143 @@
         </p:blipFill>
         <p:spPr>
           <a:xfrm>
-            <a:off x="3030149" y="1197405"/>
-            <a:ext cx="5715114" cy="3785515"/>
+            <a:off x="4645476" y="891995"/>
+            <a:ext cx="4398628" cy="3168000"/>
           </a:xfrm>
           <a:prstGeom prst="rect">
             <a:avLst/>
           </a:prstGeom>
         </p:spPr>
       </p:pic>
+      <p:sp>
+        <p:nvSpPr>
+          <p:cNvPr id="5" name="TextBox 50">
+            <a:extLst>
+              <a:ext uri="{FF2B5EF4-FFF2-40B4-BE49-F238E27FC236}">
+                <a16:creationId xmlns:a16="http://schemas.microsoft.com/office/drawing/2014/main" id="{1B7B9749-1828-3948-AC94-294DE2B4B69B}"/>
+              </a:ext>
+            </a:extLst>
+          </p:cNvPr>
+          <p:cNvSpPr txBox="1"/>
+          <p:nvPr/>
+        </p:nvSpPr>
+        <p:spPr>
+          <a:xfrm>
+            <a:off x="6521624" y="4260652"/>
+            <a:ext cx="646331" cy="369332"/>
+          </a:xfrm>
+          <a:prstGeom prst="rect">
+            <a:avLst/>
+          </a:prstGeom>
+          <a:noFill/>
+        </p:spPr>
+        <p:txBody>
+          <a:bodyPr wrap="square" rtlCol="0">
+            <a:spAutoFit/>
+          </a:bodyPr>
+          <a:lstStyle/>
+          <a:p>
+            <a:r>
+              <a:rPr lang="zh-CN" altLang="en-US" b="1" dirty="0">
+                <a:solidFill>
+                  <a:schemeClr val="dk1"/>
+                </a:solidFill>
+                <a:latin typeface="PingFang SC" panose="020B0400000000000000" pitchFamily="34" charset="-122"/>
+                <a:ea typeface="PingFang SC" panose="020B0400000000000000" pitchFamily="34" charset="-122"/>
+              </a:rPr>
+              <a:t>登陆  </a:t>
+            </a:r>
+            <a:endParaRPr lang="en-US" b="1" dirty="0">
+              <a:solidFill>
+                <a:schemeClr val="dk1"/>
+              </a:solidFill>
+              <a:latin typeface="PingFang SC" panose="020B0400000000000000" pitchFamily="34" charset="-122"/>
+              <a:ea typeface="PingFang SC" panose="020B0400000000000000" pitchFamily="34" charset="-122"/>
+            </a:endParaRPr>
+          </a:p>
+        </p:txBody>
+      </p:sp>
+      <p:pic>
+        <p:nvPicPr>
+          <p:cNvPr id="6" name="Picture 2" descr="Screen Clipping">
+            <a:extLst>
+              <a:ext uri="{FF2B5EF4-FFF2-40B4-BE49-F238E27FC236}">
+                <a16:creationId xmlns:a16="http://schemas.microsoft.com/office/drawing/2014/main" id="{E665E231-2EF7-3441-AEEF-4C920BD3F4FF}"/>
+              </a:ext>
+            </a:extLst>
+          </p:cNvPr>
+          <p:cNvPicPr>
+            <a:picLocks noChangeAspect="1"/>
+          </p:cNvPicPr>
+          <p:nvPr/>
+        </p:nvPicPr>
+        <p:blipFill>
+          <a:blip r:embed="rId3" cstate="print">
+            <a:extLst>
+              <a:ext uri="{28A0092B-C50C-407E-A947-70E740481C1C}">
+                <a14:useLocalDpi xmlns:a14="http://schemas.microsoft.com/office/drawing/2010/main" val="0"/>
+              </a:ext>
+            </a:extLst>
+          </a:blip>
+          <a:stretch>
+            <a:fillRect/>
+          </a:stretch>
+        </p:blipFill>
+        <p:spPr>
+          <a:xfrm>
+            <a:off x="70268" y="891995"/>
+            <a:ext cx="4354145" cy="3168000"/>
+          </a:xfrm>
+          <a:prstGeom prst="rect">
+            <a:avLst/>
+          </a:prstGeom>
+        </p:spPr>
+      </p:pic>
+      <p:sp>
+        <p:nvSpPr>
+          <p:cNvPr id="3" name="矩形 2">
+            <a:extLst>
+              <a:ext uri="{FF2B5EF4-FFF2-40B4-BE49-F238E27FC236}">
+                <a16:creationId xmlns:a16="http://schemas.microsoft.com/office/drawing/2014/main" id="{578B4330-69EC-B545-94E0-06BA7B26FEAA}"/>
+              </a:ext>
+            </a:extLst>
+          </p:cNvPr>
+          <p:cNvSpPr/>
+          <p:nvPr/>
+        </p:nvSpPr>
+        <p:spPr>
+          <a:xfrm>
+            <a:off x="1924174" y="4256007"/>
+            <a:ext cx="646331" cy="369332"/>
+          </a:xfrm>
+          <a:prstGeom prst="rect">
+            <a:avLst/>
+          </a:prstGeom>
+        </p:spPr>
+        <p:txBody>
+          <a:bodyPr wrap="none">
+            <a:spAutoFit/>
+          </a:bodyPr>
+          <a:lstStyle/>
+          <a:p>
+            <a:r>
+              <a:rPr lang="zh-CN" altLang="en-US" b="1" dirty="0">
+                <a:solidFill>
+                  <a:schemeClr val="dk1"/>
+                </a:solidFill>
+                <a:latin typeface="PingFang SC" panose="020B0400000000000000" pitchFamily="34" charset="-122"/>
+                <a:ea typeface="PingFang SC" panose="020B0400000000000000" pitchFamily="34" charset="-122"/>
+              </a:rPr>
+              <a:t>注册</a:t>
+            </a:r>
+            <a:endParaRPr lang="zh-CN" altLang="en-US" dirty="0"/>
+          </a:p>
+        </p:txBody>
+      </p:sp>
     </p:spTree>
     <p:extLst>
       <p:ext uri="{BB962C8B-B14F-4D97-AF65-F5344CB8AC3E}">
-        <p14:creationId xmlns:p14="http://schemas.microsoft.com/office/powerpoint/2010/main" val="237752956"/>
+        <p14:creationId xmlns:p14="http://schemas.microsoft.com/office/powerpoint/2010/main" val="2525318777"/>
       </p:ext>
     </p:extLst>
   </p:cSld>

--- a/doc/第二阶段课堂展示/第二阶段课堂展示.pptx
+++ b/doc/第二阶段课堂展示/第二阶段课堂展示.pptx
@@ -5,7 +5,7 @@
     <p:sldMasterId id="2147483648" r:id="rId1"/>
   </p:sldMasterIdLst>
   <p:notesMasterIdLst>
-    <p:notesMasterId r:id="rId15"/>
+    <p:notesMasterId r:id="rId18"/>
   </p:notesMasterIdLst>
   <p:sldIdLst>
     <p:sldId id="256" r:id="rId2"/>
@@ -16,11 +16,14 @@
     <p:sldId id="287" r:id="rId7"/>
     <p:sldId id="289" r:id="rId8"/>
     <p:sldId id="294" r:id="rId9"/>
-    <p:sldId id="291" r:id="rId10"/>
-    <p:sldId id="295" r:id="rId11"/>
-    <p:sldId id="292" r:id="rId12"/>
-    <p:sldId id="297" r:id="rId13"/>
-    <p:sldId id="260" r:id="rId14"/>
+    <p:sldId id="300" r:id="rId10"/>
+    <p:sldId id="298" r:id="rId11"/>
+    <p:sldId id="299" r:id="rId12"/>
+    <p:sldId id="291" r:id="rId13"/>
+    <p:sldId id="295" r:id="rId14"/>
+    <p:sldId id="292" r:id="rId15"/>
+    <p:sldId id="297" r:id="rId16"/>
+    <p:sldId id="260" r:id="rId17"/>
   </p:sldIdLst>
   <p:sldSz cx="9144000" cy="5143500" type="screen16x9"/>
   <p:notesSz cx="6858000" cy="9144000"/>
@@ -220,7 +223,7 @@
           <a:p>
             <a:fld id="{C8D18E60-4300-4729-A0D7-6AB984C3922D}" type="datetimeFigureOut">
               <a:rPr lang="en-US" smtClean="0"/>
-              <a:t>4/24/19</a:t>
+              <a:t>4/25/2019</a:t>
             </a:fld>
             <a:endParaRPr lang="en-US"/>
           </a:p>
@@ -800,7 +803,7 @@
             <a:fld id="{53074F12-AA26-4AC8-9962-C36BB8F32554}" type="datetimeFigureOut">
               <a:rPr lang="en-US" smtClean="0"/>
               <a:pPr/>
-              <a:t>4/24/19</a:t>
+              <a:t>4/25/2019</a:t>
             </a:fld>
             <a:endParaRPr lang="en-US"/>
           </a:p>
@@ -1054,7 +1057,7 @@
             <a:fld id="{53074F12-AA26-4AC8-9962-C36BB8F32554}" type="datetimeFigureOut">
               <a:rPr lang="en-US" smtClean="0"/>
               <a:pPr/>
-              <a:t>4/24/19</a:t>
+              <a:t>4/25/2019</a:t>
             </a:fld>
             <a:endParaRPr lang="en-US"/>
           </a:p>
@@ -1224,7 +1227,7 @@
             <a:fld id="{53074F12-AA26-4AC8-9962-C36BB8F32554}" type="datetimeFigureOut">
               <a:rPr lang="en-US" smtClean="0"/>
               <a:pPr/>
-              <a:t>4/24/19</a:t>
+              <a:t>4/25/2019</a:t>
             </a:fld>
             <a:endParaRPr lang="en-US"/>
           </a:p>
@@ -1404,7 +1407,7 @@
             <a:fld id="{53074F12-AA26-4AC8-9962-C36BB8F32554}" type="datetimeFigureOut">
               <a:rPr lang="en-US" smtClean="0"/>
               <a:pPr/>
-              <a:t>4/24/19</a:t>
+              <a:t>4/25/2019</a:t>
             </a:fld>
             <a:endParaRPr lang="en-US"/>
           </a:p>
@@ -1689,7 +1692,7 @@
             <a:fld id="{53074F12-AA26-4AC8-9962-C36BB8F32554}" type="datetimeFigureOut">
               <a:rPr lang="en-US" smtClean="0"/>
               <a:pPr/>
-              <a:t>4/24/19</a:t>
+              <a:t>4/25/2019</a:t>
             </a:fld>
             <a:endParaRPr lang="en-US"/>
           </a:p>
@@ -2016,7 +2019,7 @@
             <a:fld id="{53074F12-AA26-4AC8-9962-C36BB8F32554}" type="datetimeFigureOut">
               <a:rPr lang="en-US" smtClean="0"/>
               <a:pPr/>
-              <a:t>4/24/19</a:t>
+              <a:t>4/25/2019</a:t>
             </a:fld>
             <a:endParaRPr lang="en-US"/>
           </a:p>
@@ -2263,7 +2266,7 @@
             <a:fld id="{53074F12-AA26-4AC8-9962-C36BB8F32554}" type="datetimeFigureOut">
               <a:rPr lang="en-US" smtClean="0"/>
               <a:pPr/>
-              <a:t>4/24/19</a:t>
+              <a:t>4/25/2019</a:t>
             </a:fld>
             <a:endParaRPr lang="en-US"/>
           </a:p>
@@ -2550,7 +2553,7 @@
             <a:fld id="{53074F12-AA26-4AC8-9962-C36BB8F32554}" type="datetimeFigureOut">
               <a:rPr lang="en-US" smtClean="0"/>
               <a:pPr/>
-              <a:t>4/24/19</a:t>
+              <a:t>4/25/2019</a:t>
             </a:fld>
             <a:endParaRPr lang="en-US"/>
           </a:p>
@@ -3064,7 +3067,7 @@
             <a:fld id="{53074F12-AA26-4AC8-9962-C36BB8F32554}" type="datetimeFigureOut">
               <a:rPr lang="en-US" smtClean="0"/>
               <a:pPr/>
-              <a:t>4/24/19</a:t>
+              <a:t>4/25/2019</a:t>
             </a:fld>
             <a:endParaRPr lang="en-US"/>
           </a:p>
@@ -3183,7 +3186,7 @@
             <a:fld id="{53074F12-AA26-4AC8-9962-C36BB8F32554}" type="datetimeFigureOut">
               <a:rPr lang="en-US" smtClean="0"/>
               <a:pPr/>
-              <a:t>4/24/19</a:t>
+              <a:t>4/25/2019</a:t>
             </a:fld>
             <a:endParaRPr lang="en-US"/>
           </a:p>
@@ -3288,7 +3291,7 @@
             <a:fld id="{53074F12-AA26-4AC8-9962-C36BB8F32554}" type="datetimeFigureOut">
               <a:rPr lang="en-US" smtClean="0"/>
               <a:pPr/>
-              <a:t>4/24/19</a:t>
+              <a:t>4/25/2019</a:t>
             </a:fld>
             <a:endParaRPr lang="en-US"/>
           </a:p>
@@ -3565,7 +3568,7 @@
             <a:fld id="{53074F12-AA26-4AC8-9962-C36BB8F32554}" type="datetimeFigureOut">
               <a:rPr lang="en-US" smtClean="0"/>
               <a:pPr/>
-              <a:t>4/24/19</a:t>
+              <a:t>4/25/2019</a:t>
             </a:fld>
             <a:endParaRPr lang="en-US"/>
           </a:p>
@@ -3787,7 +3790,7 @@
             <a:fld id="{53074F12-AA26-4AC8-9962-C36BB8F32554}" type="datetimeFigureOut">
               <a:rPr lang="en-US" smtClean="0"/>
               <a:pPr/>
-              <a:t>4/24/19</a:t>
+              <a:t>4/25/2019</a:t>
             </a:fld>
             <a:endParaRPr lang="en-US"/>
           </a:p>
@@ -4228,7 +4231,7 @@
         </p:spPr>
         <p:txBody>
           <a:bodyPr vert="horz" lIns="91440" tIns="45720" rIns="91440" bIns="45720" rtlCol="0" anchor="ctr">
-            <a:normAutofit fontScale="90000" lnSpcReduction="10000"/>
+            <a:normAutofit fontScale="82500" lnSpcReduction="10000"/>
           </a:bodyPr>
           <a:lstStyle>
             <a:lvl1pPr algn="r" defTabSz="914400" rtl="0" eaLnBrk="1" latinLnBrk="0" hangingPunct="1">
@@ -4329,6 +4332,508 @@
 </file>
 
 <file path=ppt/slides/slide10.xml><?xml version="1.0" encoding="utf-8"?>
+<p:sld xmlns:a="http://schemas.openxmlformats.org/drawingml/2006/main" xmlns:r="http://schemas.openxmlformats.org/officeDocument/2006/relationships" xmlns:p="http://schemas.openxmlformats.org/presentationml/2006/main">
+  <p:cSld>
+    <p:spTree>
+      <p:nvGrpSpPr>
+        <p:cNvPr id="1" name=""/>
+        <p:cNvGrpSpPr/>
+        <p:nvPr/>
+      </p:nvGrpSpPr>
+      <p:grpSpPr>
+        <a:xfrm>
+          <a:off x="0" y="0"/>
+          <a:ext cx="0" cy="0"/>
+          <a:chOff x="0" y="0"/>
+          <a:chExt cx="0" cy="0"/>
+        </a:xfrm>
+      </p:grpSpPr>
+      <p:sp>
+        <p:nvSpPr>
+          <p:cNvPr id="2" name="标题 1">
+            <a:extLst>
+              <a:ext uri="{FF2B5EF4-FFF2-40B4-BE49-F238E27FC236}">
+                <a16:creationId xmlns:a16="http://schemas.microsoft.com/office/drawing/2014/main" id="{DBBE7A1B-91F0-DB40-8CC7-970D06FD7D2B}"/>
+              </a:ext>
+            </a:extLst>
+          </p:cNvPr>
+          <p:cNvSpPr txBox="1">
+            <a:spLocks/>
+          </p:cNvSpPr>
+          <p:nvPr/>
+        </p:nvSpPr>
+        <p:spPr>
+          <a:xfrm>
+            <a:off x="0" y="0"/>
+            <a:ext cx="5802789" cy="725349"/>
+          </a:xfrm>
+          <a:prstGeom prst="rect">
+            <a:avLst/>
+          </a:prstGeom>
+        </p:spPr>
+        <p:txBody>
+          <a:bodyPr/>
+          <a:lstStyle>
+            <a:lvl1pPr algn="ctr" defTabSz="914400" rtl="0" eaLnBrk="1" latinLnBrk="0" hangingPunct="1">
+              <a:spcBef>
+                <a:spcPct val="0"/>
+              </a:spcBef>
+              <a:buNone/>
+              <a:defRPr sz="4400" b="0" i="0" kern="1200">
+                <a:solidFill>
+                  <a:schemeClr val="tx1"/>
+                </a:solidFill>
+                <a:latin typeface="PingFang SC" panose="020B0400000000000000" pitchFamily="34" charset="-122"/>
+                <a:ea typeface="PingFang SC" panose="020B0400000000000000" pitchFamily="34" charset="-122"/>
+                <a:cs typeface="+mj-cs"/>
+              </a:defRPr>
+            </a:lvl1pPr>
+          </a:lstStyle>
+          <a:p>
+            <a:pPr algn="l"/>
+            <a:r>
+              <a:rPr lang="zh-CN" altLang="en-US" sz="3200" dirty="0" smtClean="0">
+                <a:solidFill>
+                  <a:srgbClr val="38435D"/>
+                </a:solidFill>
+              </a:rPr>
+              <a:t>包图</a:t>
+            </a:r>
+            <a:r>
+              <a:rPr lang="zh-CN" altLang="en-US" sz="3200" dirty="0">
+                <a:solidFill>
+                  <a:srgbClr val="38435D"/>
+                </a:solidFill>
+              </a:rPr>
+              <a:t>（前端）</a:t>
+            </a:r>
+            <a:endParaRPr lang="en-US" sz="3200" dirty="0">
+              <a:solidFill>
+                <a:srgbClr val="38435D"/>
+              </a:solidFill>
+            </a:endParaRPr>
+          </a:p>
+        </p:txBody>
+      </p:sp>
+      <p:pic>
+        <p:nvPicPr>
+          <p:cNvPr id="4" name="图片 3"/>
+          <p:cNvPicPr>
+            <a:picLocks noChangeAspect="1"/>
+          </p:cNvPicPr>
+          <p:nvPr/>
+        </p:nvPicPr>
+        <p:blipFill rotWithShape="1">
+          <a:blip r:embed="rId2" cstate="print">
+            <a:extLst>
+              <a:ext uri="{28A0092B-C50C-407E-A947-70E740481C1C}">
+                <a14:useLocalDpi xmlns:a14="http://schemas.microsoft.com/office/drawing/2010/main" val="0"/>
+              </a:ext>
+            </a:extLst>
+          </a:blip>
+          <a:srcRect r="36640" b="47322"/>
+          <a:stretch/>
+        </p:blipFill>
+        <p:spPr>
+          <a:xfrm>
+            <a:off x="130210" y="1044700"/>
+            <a:ext cx="8883581" cy="3512215"/>
+          </a:xfrm>
+          <a:prstGeom prst="rect">
+            <a:avLst/>
+          </a:prstGeom>
+        </p:spPr>
+      </p:pic>
+    </p:spTree>
+    <p:extLst>
+      <p:ext uri="{BB962C8B-B14F-4D97-AF65-F5344CB8AC3E}">
+        <p14:creationId xmlns:p14="http://schemas.microsoft.com/office/powerpoint/2010/main" val="240073872"/>
+      </p:ext>
+    </p:extLst>
+  </p:cSld>
+  <p:clrMapOvr>
+    <a:masterClrMapping/>
+  </p:clrMapOvr>
+</p:sld>
+</file>
+
+<file path=ppt/slides/slide11.xml><?xml version="1.0" encoding="utf-8"?>
+<p:sld xmlns:a="http://schemas.openxmlformats.org/drawingml/2006/main" xmlns:r="http://schemas.openxmlformats.org/officeDocument/2006/relationships" xmlns:p="http://schemas.openxmlformats.org/presentationml/2006/main">
+  <p:cSld>
+    <p:spTree>
+      <p:nvGrpSpPr>
+        <p:cNvPr id="1" name=""/>
+        <p:cNvGrpSpPr/>
+        <p:nvPr/>
+      </p:nvGrpSpPr>
+      <p:grpSpPr>
+        <a:xfrm>
+          <a:off x="0" y="0"/>
+          <a:ext cx="0" cy="0"/>
+          <a:chOff x="0" y="0"/>
+          <a:chExt cx="0" cy="0"/>
+        </a:xfrm>
+      </p:grpSpPr>
+      <p:sp>
+        <p:nvSpPr>
+          <p:cNvPr id="2" name="标题 1">
+            <a:extLst>
+              <a:ext uri="{FF2B5EF4-FFF2-40B4-BE49-F238E27FC236}">
+                <a16:creationId xmlns:a16="http://schemas.microsoft.com/office/drawing/2014/main" id="{DBBE7A1B-91F0-DB40-8CC7-970D06FD7D2B}"/>
+              </a:ext>
+            </a:extLst>
+          </p:cNvPr>
+          <p:cNvSpPr txBox="1">
+            <a:spLocks/>
+          </p:cNvSpPr>
+          <p:nvPr/>
+        </p:nvSpPr>
+        <p:spPr>
+          <a:xfrm>
+            <a:off x="0" y="0"/>
+            <a:ext cx="5802789" cy="725349"/>
+          </a:xfrm>
+          <a:prstGeom prst="rect">
+            <a:avLst/>
+          </a:prstGeom>
+        </p:spPr>
+        <p:txBody>
+          <a:bodyPr/>
+          <a:lstStyle>
+            <a:lvl1pPr algn="ctr" defTabSz="914400" rtl="0" eaLnBrk="1" latinLnBrk="0" hangingPunct="1">
+              <a:spcBef>
+                <a:spcPct val="0"/>
+              </a:spcBef>
+              <a:buNone/>
+              <a:defRPr sz="4400" b="0" i="0" kern="1200">
+                <a:solidFill>
+                  <a:schemeClr val="tx1"/>
+                </a:solidFill>
+                <a:latin typeface="PingFang SC" panose="020B0400000000000000" pitchFamily="34" charset="-122"/>
+                <a:ea typeface="PingFang SC" panose="020B0400000000000000" pitchFamily="34" charset="-122"/>
+                <a:cs typeface="+mj-cs"/>
+              </a:defRPr>
+            </a:lvl1pPr>
+          </a:lstStyle>
+          <a:p>
+            <a:pPr algn="l"/>
+            <a:r>
+              <a:rPr lang="zh-CN" altLang="en-US" sz="3200" dirty="0" smtClean="0">
+                <a:solidFill>
+                  <a:srgbClr val="38435D"/>
+                </a:solidFill>
+              </a:rPr>
+              <a:t>包图（后端</a:t>
+            </a:r>
+            <a:r>
+              <a:rPr lang="zh-CN" altLang="en-US" sz="3200" dirty="0">
+                <a:solidFill>
+                  <a:srgbClr val="38435D"/>
+                </a:solidFill>
+              </a:rPr>
+              <a:t>）</a:t>
+            </a:r>
+            <a:endParaRPr lang="en-US" sz="3200" dirty="0">
+              <a:solidFill>
+                <a:srgbClr val="38435D"/>
+              </a:solidFill>
+            </a:endParaRPr>
+          </a:p>
+        </p:txBody>
+      </p:sp>
+      <p:pic>
+        <p:nvPicPr>
+          <p:cNvPr id="3" name="图片 2"/>
+          <p:cNvPicPr>
+            <a:picLocks noChangeAspect="1"/>
+          </p:cNvPicPr>
+          <p:nvPr/>
+        </p:nvPicPr>
+        <p:blipFill rotWithShape="1">
+          <a:blip r:embed="rId2" cstate="print">
+            <a:extLst>
+              <a:ext uri="{28A0092B-C50C-407E-A947-70E740481C1C}">
+                <a14:useLocalDpi xmlns:a14="http://schemas.microsoft.com/office/drawing/2010/main" val="0"/>
+              </a:ext>
+            </a:extLst>
+          </a:blip>
+          <a:srcRect l="63360" t="17559"/>
+          <a:stretch/>
+        </p:blipFill>
+        <p:spPr>
+          <a:xfrm>
+            <a:off x="2586835" y="-1"/>
+            <a:ext cx="4829852" cy="5167735"/>
+          </a:xfrm>
+          <a:prstGeom prst="rect">
+            <a:avLst/>
+          </a:prstGeom>
+        </p:spPr>
+      </p:pic>
+    </p:spTree>
+    <p:extLst>
+      <p:ext uri="{BB962C8B-B14F-4D97-AF65-F5344CB8AC3E}">
+        <p14:creationId xmlns:p14="http://schemas.microsoft.com/office/powerpoint/2010/main" val="2764978486"/>
+      </p:ext>
+    </p:extLst>
+  </p:cSld>
+  <p:clrMapOvr>
+    <a:masterClrMapping/>
+  </p:clrMapOvr>
+</p:sld>
+</file>
+
+<file path=ppt/slides/slide12.xml><?xml version="1.0" encoding="utf-8"?>
+<p:sld xmlns:a="http://schemas.openxmlformats.org/drawingml/2006/main" xmlns:r="http://schemas.openxmlformats.org/officeDocument/2006/relationships" xmlns:p="http://schemas.openxmlformats.org/presentationml/2006/main">
+  <p:cSld>
+    <p:spTree>
+      <p:nvGrpSpPr>
+        <p:cNvPr id="1" name=""/>
+        <p:cNvGrpSpPr/>
+        <p:nvPr/>
+      </p:nvGrpSpPr>
+      <p:grpSpPr>
+        <a:xfrm>
+          <a:off x="0" y="0"/>
+          <a:ext cx="0" cy="0"/>
+          <a:chOff x="0" y="0"/>
+          <a:chExt cx="0" cy="0"/>
+        </a:xfrm>
+      </p:grpSpPr>
+      <p:sp>
+        <p:nvSpPr>
+          <p:cNvPr id="2" name="标题 1">
+            <a:extLst>
+              <a:ext uri="{FF2B5EF4-FFF2-40B4-BE49-F238E27FC236}">
+                <a16:creationId xmlns:a16="http://schemas.microsoft.com/office/drawing/2014/main" id="{DBBE7A1B-91F0-DB40-8CC7-970D06FD7D2B}"/>
+              </a:ext>
+            </a:extLst>
+          </p:cNvPr>
+          <p:cNvSpPr txBox="1">
+            <a:spLocks/>
+          </p:cNvSpPr>
+          <p:nvPr/>
+        </p:nvSpPr>
+        <p:spPr>
+          <a:xfrm>
+            <a:off x="0" y="0"/>
+            <a:ext cx="5802789" cy="725349"/>
+          </a:xfrm>
+          <a:prstGeom prst="rect">
+            <a:avLst/>
+          </a:prstGeom>
+        </p:spPr>
+        <p:txBody>
+          <a:bodyPr/>
+          <a:lstStyle>
+            <a:lvl1pPr algn="ctr" defTabSz="914400" rtl="0" eaLnBrk="1" latinLnBrk="0" hangingPunct="1">
+              <a:spcBef>
+                <a:spcPct val="0"/>
+              </a:spcBef>
+              <a:buNone/>
+              <a:defRPr sz="4400" b="0" i="0" kern="1200">
+                <a:solidFill>
+                  <a:schemeClr val="tx1"/>
+                </a:solidFill>
+                <a:latin typeface="PingFang SC" panose="020B0400000000000000" pitchFamily="34" charset="-122"/>
+                <a:ea typeface="PingFang SC" panose="020B0400000000000000" pitchFamily="34" charset="-122"/>
+                <a:cs typeface="+mj-cs"/>
+              </a:defRPr>
+            </a:lvl1pPr>
+          </a:lstStyle>
+          <a:p>
+            <a:pPr algn="l"/>
+            <a:r>
+              <a:rPr lang="zh-CN" altLang="en-US" sz="3200" dirty="0">
+                <a:solidFill>
+                  <a:srgbClr val="38435D"/>
+                </a:solidFill>
+              </a:rPr>
+              <a:t>顺序图</a:t>
+            </a:r>
+            <a:endParaRPr lang="en-US" sz="3200" dirty="0">
+              <a:solidFill>
+                <a:srgbClr val="38435D"/>
+              </a:solidFill>
+            </a:endParaRPr>
+          </a:p>
+        </p:txBody>
+      </p:sp>
+      <p:pic>
+        <p:nvPicPr>
+          <p:cNvPr id="4" name="Picture 49" descr="Screen Clipping">
+            <a:extLst>
+              <a:ext uri="{FF2B5EF4-FFF2-40B4-BE49-F238E27FC236}">
+                <a16:creationId xmlns:a16="http://schemas.microsoft.com/office/drawing/2014/main" id="{348B5131-83B7-6B4E-BEEB-93616FD9E9EF}"/>
+              </a:ext>
+            </a:extLst>
+          </p:cNvPr>
+          <p:cNvPicPr>
+            <a:picLocks noChangeAspect="1"/>
+          </p:cNvPicPr>
+          <p:nvPr/>
+        </p:nvPicPr>
+        <p:blipFill>
+          <a:blip r:embed="rId2" cstate="print">
+            <a:extLst>
+              <a:ext uri="{28A0092B-C50C-407E-A947-70E740481C1C}">
+                <a14:useLocalDpi xmlns:a14="http://schemas.microsoft.com/office/drawing/2010/main" val="0"/>
+              </a:ext>
+            </a:extLst>
+          </a:blip>
+          <a:stretch>
+            <a:fillRect/>
+          </a:stretch>
+        </p:blipFill>
+        <p:spPr>
+          <a:xfrm>
+            <a:off x="4645476" y="891995"/>
+            <a:ext cx="4398628" cy="3168000"/>
+          </a:xfrm>
+          <a:prstGeom prst="rect">
+            <a:avLst/>
+          </a:prstGeom>
+        </p:spPr>
+      </p:pic>
+      <p:sp>
+        <p:nvSpPr>
+          <p:cNvPr id="5" name="TextBox 50">
+            <a:extLst>
+              <a:ext uri="{FF2B5EF4-FFF2-40B4-BE49-F238E27FC236}">
+                <a16:creationId xmlns:a16="http://schemas.microsoft.com/office/drawing/2014/main" id="{1B7B9749-1828-3948-AC94-294DE2B4B69B}"/>
+              </a:ext>
+            </a:extLst>
+          </p:cNvPr>
+          <p:cNvSpPr txBox="1"/>
+          <p:nvPr/>
+        </p:nvSpPr>
+        <p:spPr>
+          <a:xfrm>
+            <a:off x="6521624" y="4260652"/>
+            <a:ext cx="646331" cy="369332"/>
+          </a:xfrm>
+          <a:prstGeom prst="rect">
+            <a:avLst/>
+          </a:prstGeom>
+          <a:noFill/>
+        </p:spPr>
+        <p:txBody>
+          <a:bodyPr wrap="square" rtlCol="0">
+            <a:spAutoFit/>
+          </a:bodyPr>
+          <a:lstStyle/>
+          <a:p>
+            <a:r>
+              <a:rPr lang="zh-CN" altLang="en-US" b="1" dirty="0">
+                <a:solidFill>
+                  <a:schemeClr val="dk1"/>
+                </a:solidFill>
+                <a:latin typeface="PingFang SC" panose="020B0400000000000000" pitchFamily="34" charset="-122"/>
+                <a:ea typeface="PingFang SC" panose="020B0400000000000000" pitchFamily="34" charset="-122"/>
+              </a:rPr>
+              <a:t>登陆  </a:t>
+            </a:r>
+            <a:endParaRPr lang="en-US" b="1" dirty="0">
+              <a:solidFill>
+                <a:schemeClr val="dk1"/>
+              </a:solidFill>
+              <a:latin typeface="PingFang SC" panose="020B0400000000000000" pitchFamily="34" charset="-122"/>
+              <a:ea typeface="PingFang SC" panose="020B0400000000000000" pitchFamily="34" charset="-122"/>
+            </a:endParaRPr>
+          </a:p>
+        </p:txBody>
+      </p:sp>
+      <p:pic>
+        <p:nvPicPr>
+          <p:cNvPr id="6" name="Picture 2" descr="Screen Clipping">
+            <a:extLst>
+              <a:ext uri="{FF2B5EF4-FFF2-40B4-BE49-F238E27FC236}">
+                <a16:creationId xmlns:a16="http://schemas.microsoft.com/office/drawing/2014/main" id="{E665E231-2EF7-3441-AEEF-4C920BD3F4FF}"/>
+              </a:ext>
+            </a:extLst>
+          </p:cNvPr>
+          <p:cNvPicPr>
+            <a:picLocks noChangeAspect="1"/>
+          </p:cNvPicPr>
+          <p:nvPr/>
+        </p:nvPicPr>
+        <p:blipFill>
+          <a:blip r:embed="rId3" cstate="print">
+            <a:extLst>
+              <a:ext uri="{28A0092B-C50C-407E-A947-70E740481C1C}">
+                <a14:useLocalDpi xmlns:a14="http://schemas.microsoft.com/office/drawing/2010/main" val="0"/>
+              </a:ext>
+            </a:extLst>
+          </a:blip>
+          <a:stretch>
+            <a:fillRect/>
+          </a:stretch>
+        </p:blipFill>
+        <p:spPr>
+          <a:xfrm>
+            <a:off x="70268" y="891995"/>
+            <a:ext cx="4354145" cy="3168000"/>
+          </a:xfrm>
+          <a:prstGeom prst="rect">
+            <a:avLst/>
+          </a:prstGeom>
+        </p:spPr>
+      </p:pic>
+      <p:sp>
+        <p:nvSpPr>
+          <p:cNvPr id="3" name="矩形 2">
+            <a:extLst>
+              <a:ext uri="{FF2B5EF4-FFF2-40B4-BE49-F238E27FC236}">
+                <a16:creationId xmlns:a16="http://schemas.microsoft.com/office/drawing/2014/main" id="{578B4330-69EC-B545-94E0-06BA7B26FEAA}"/>
+              </a:ext>
+            </a:extLst>
+          </p:cNvPr>
+          <p:cNvSpPr/>
+          <p:nvPr/>
+        </p:nvSpPr>
+        <p:spPr>
+          <a:xfrm>
+            <a:off x="1924174" y="4256007"/>
+            <a:ext cx="646331" cy="369332"/>
+          </a:xfrm>
+          <a:prstGeom prst="rect">
+            <a:avLst/>
+          </a:prstGeom>
+        </p:spPr>
+        <p:txBody>
+          <a:bodyPr wrap="none">
+            <a:spAutoFit/>
+          </a:bodyPr>
+          <a:lstStyle/>
+          <a:p>
+            <a:r>
+              <a:rPr lang="zh-CN" altLang="en-US" b="1" dirty="0">
+                <a:solidFill>
+                  <a:schemeClr val="dk1"/>
+                </a:solidFill>
+                <a:latin typeface="PingFang SC" panose="020B0400000000000000" pitchFamily="34" charset="-122"/>
+                <a:ea typeface="PingFang SC" panose="020B0400000000000000" pitchFamily="34" charset="-122"/>
+              </a:rPr>
+              <a:t>注册</a:t>
+            </a:r>
+            <a:endParaRPr lang="zh-CN" altLang="en-US" dirty="0"/>
+          </a:p>
+        </p:txBody>
+      </p:sp>
+    </p:spTree>
+    <p:extLst>
+      <p:ext uri="{BB962C8B-B14F-4D97-AF65-F5344CB8AC3E}">
+        <p14:creationId xmlns:p14="http://schemas.microsoft.com/office/powerpoint/2010/main" val="2525318777"/>
+      </p:ext>
+    </p:extLst>
+  </p:cSld>
+  <p:clrMapOvr>
+    <a:masterClrMapping/>
+  </p:clrMapOvr>
+</p:sld>
+</file>
+
+<file path=ppt/slides/slide13.xml><?xml version="1.0" encoding="utf-8"?>
 <p:sld xmlns:a="http://schemas.openxmlformats.org/drawingml/2006/main" xmlns:r="http://schemas.openxmlformats.org/officeDocument/2006/relationships" xmlns:p="http://schemas.openxmlformats.org/presentationml/2006/main">
   <p:cSld>
     <p:spTree>
@@ -4584,7 +5089,7 @@
 </p:sld>
 </file>
 
-<file path=ppt/slides/slide11.xml><?xml version="1.0" encoding="utf-8"?>
+<file path=ppt/slides/slide14.xml><?xml version="1.0" encoding="utf-8"?>
 <p:sld xmlns:a="http://schemas.openxmlformats.org/drawingml/2006/main" xmlns:r="http://schemas.openxmlformats.org/officeDocument/2006/relationships" xmlns:p="http://schemas.openxmlformats.org/presentationml/2006/main">
   <p:cSld>
     <p:spTree>
@@ -4709,7 +5214,7 @@
 </p:sld>
 </file>
 
-<file path=ppt/slides/slide12.xml><?xml version="1.0" encoding="utf-8"?>
+<file path=ppt/slides/slide15.xml><?xml version="1.0" encoding="utf-8"?>
 <p:sld xmlns:a="http://schemas.openxmlformats.org/drawingml/2006/main" xmlns:r="http://schemas.openxmlformats.org/officeDocument/2006/relationships" xmlns:p="http://schemas.openxmlformats.org/presentationml/2006/main">
   <p:cSld>
     <p:spTree>
@@ -4834,7 +5339,7 @@
 </p:sld>
 </file>
 
-<file path=ppt/slides/slide13.xml><?xml version="1.0" encoding="utf-8"?>
+<file path=ppt/slides/slide16.xml><?xml version="1.0" encoding="utf-8"?>
 <p:sld xmlns:a="http://schemas.openxmlformats.org/drawingml/2006/main" xmlns:r="http://schemas.openxmlformats.org/officeDocument/2006/relationships" xmlns:p="http://schemas.openxmlformats.org/presentationml/2006/main">
   <p:cSld>
     <p:spTree>
@@ -4947,7 +5452,7 @@
         </p:spPr>
         <p:txBody>
           <a:bodyPr>
-            <a:normAutofit fontScale="92500"/>
+            <a:normAutofit/>
           </a:bodyPr>
           <a:lstStyle/>
           <a:p>
@@ -7301,7 +7806,7 @@
           <p:nvPr/>
         </p:nvPicPr>
         <p:blipFill>
-          <a:blip r:embed="rId2">
+          <a:blip r:embed="rId2" cstate="print">
             <a:extLst>
               <a:ext uri="{28A0092B-C50C-407E-A947-70E740481C1C}">
                 <a14:useLocalDpi xmlns:a14="http://schemas.microsoft.com/office/drawing/2010/main" val="0"/>
@@ -7485,12 +7990,12 @@
           <a:p>
             <a:pPr algn="l"/>
             <a:r>
-              <a:rPr lang="zh-CN" altLang="en-US" sz="3200" dirty="0">
+              <a:rPr lang="zh-CN" altLang="en-US" sz="3200" dirty="0" smtClean="0">
                 <a:solidFill>
                   <a:srgbClr val="38435D"/>
                 </a:solidFill>
               </a:rPr>
-              <a:t>顺序图</a:t>
+              <a:t>包图</a:t>
             </a:r>
             <a:endParaRPr lang="en-US" sz="3200" dirty="0">
               <a:solidFill>
@@ -7502,13 +8007,7 @@
       </p:sp>
       <p:pic>
         <p:nvPicPr>
-          <p:cNvPr id="4" name="Picture 49" descr="Screen Clipping">
-            <a:extLst>
-              <a:ext uri="{FF2B5EF4-FFF2-40B4-BE49-F238E27FC236}">
-                <a16:creationId xmlns:a16="http://schemas.microsoft.com/office/drawing/2014/main" id="{348B5131-83B7-6B4E-BEEB-93616FD9E9EF}"/>
-              </a:ext>
-            </a:extLst>
-          </p:cNvPr>
+          <p:cNvPr id="3" name="图片 2"/>
           <p:cNvPicPr>
             <a:picLocks noChangeAspect="1"/>
           </p:cNvPicPr>
@@ -7528,143 +8027,18 @@
         </p:blipFill>
         <p:spPr>
           <a:xfrm>
-            <a:off x="4645476" y="891995"/>
-            <a:ext cx="4398628" cy="3168000"/>
+            <a:off x="0" y="586585"/>
+            <a:ext cx="9144000" cy="4348267"/>
           </a:xfrm>
           <a:prstGeom prst="rect">
             <a:avLst/>
           </a:prstGeom>
         </p:spPr>
       </p:pic>
-      <p:sp>
-        <p:nvSpPr>
-          <p:cNvPr id="5" name="TextBox 50">
-            <a:extLst>
-              <a:ext uri="{FF2B5EF4-FFF2-40B4-BE49-F238E27FC236}">
-                <a16:creationId xmlns:a16="http://schemas.microsoft.com/office/drawing/2014/main" id="{1B7B9749-1828-3948-AC94-294DE2B4B69B}"/>
-              </a:ext>
-            </a:extLst>
-          </p:cNvPr>
-          <p:cNvSpPr txBox="1"/>
-          <p:nvPr/>
-        </p:nvSpPr>
-        <p:spPr>
-          <a:xfrm>
-            <a:off x="6521624" y="4260652"/>
-            <a:ext cx="646331" cy="369332"/>
-          </a:xfrm>
-          <a:prstGeom prst="rect">
-            <a:avLst/>
-          </a:prstGeom>
-          <a:noFill/>
-        </p:spPr>
-        <p:txBody>
-          <a:bodyPr wrap="square" rtlCol="0">
-            <a:spAutoFit/>
-          </a:bodyPr>
-          <a:lstStyle/>
-          <a:p>
-            <a:r>
-              <a:rPr lang="zh-CN" altLang="en-US" b="1" dirty="0">
-                <a:solidFill>
-                  <a:schemeClr val="dk1"/>
-                </a:solidFill>
-                <a:latin typeface="PingFang SC" panose="020B0400000000000000" pitchFamily="34" charset="-122"/>
-                <a:ea typeface="PingFang SC" panose="020B0400000000000000" pitchFamily="34" charset="-122"/>
-              </a:rPr>
-              <a:t>登陆  </a:t>
-            </a:r>
-            <a:endParaRPr lang="en-US" b="1" dirty="0">
-              <a:solidFill>
-                <a:schemeClr val="dk1"/>
-              </a:solidFill>
-              <a:latin typeface="PingFang SC" panose="020B0400000000000000" pitchFamily="34" charset="-122"/>
-              <a:ea typeface="PingFang SC" panose="020B0400000000000000" pitchFamily="34" charset="-122"/>
-            </a:endParaRPr>
-          </a:p>
-        </p:txBody>
-      </p:sp>
-      <p:pic>
-        <p:nvPicPr>
-          <p:cNvPr id="6" name="Picture 2" descr="Screen Clipping">
-            <a:extLst>
-              <a:ext uri="{FF2B5EF4-FFF2-40B4-BE49-F238E27FC236}">
-                <a16:creationId xmlns:a16="http://schemas.microsoft.com/office/drawing/2014/main" id="{E665E231-2EF7-3441-AEEF-4C920BD3F4FF}"/>
-              </a:ext>
-            </a:extLst>
-          </p:cNvPr>
-          <p:cNvPicPr>
-            <a:picLocks noChangeAspect="1"/>
-          </p:cNvPicPr>
-          <p:nvPr/>
-        </p:nvPicPr>
-        <p:blipFill>
-          <a:blip r:embed="rId3" cstate="print">
-            <a:extLst>
-              <a:ext uri="{28A0092B-C50C-407E-A947-70E740481C1C}">
-                <a14:useLocalDpi xmlns:a14="http://schemas.microsoft.com/office/drawing/2010/main" val="0"/>
-              </a:ext>
-            </a:extLst>
-          </a:blip>
-          <a:stretch>
-            <a:fillRect/>
-          </a:stretch>
-        </p:blipFill>
-        <p:spPr>
-          <a:xfrm>
-            <a:off x="70268" y="891995"/>
-            <a:ext cx="4354145" cy="3168000"/>
-          </a:xfrm>
-          <a:prstGeom prst="rect">
-            <a:avLst/>
-          </a:prstGeom>
-        </p:spPr>
-      </p:pic>
-      <p:sp>
-        <p:nvSpPr>
-          <p:cNvPr id="3" name="矩形 2">
-            <a:extLst>
-              <a:ext uri="{FF2B5EF4-FFF2-40B4-BE49-F238E27FC236}">
-                <a16:creationId xmlns:a16="http://schemas.microsoft.com/office/drawing/2014/main" id="{578B4330-69EC-B545-94E0-06BA7B26FEAA}"/>
-              </a:ext>
-            </a:extLst>
-          </p:cNvPr>
-          <p:cNvSpPr/>
-          <p:nvPr/>
-        </p:nvSpPr>
-        <p:spPr>
-          <a:xfrm>
-            <a:off x="1924174" y="4256007"/>
-            <a:ext cx="646331" cy="369332"/>
-          </a:xfrm>
-          <a:prstGeom prst="rect">
-            <a:avLst/>
-          </a:prstGeom>
-        </p:spPr>
-        <p:txBody>
-          <a:bodyPr wrap="none">
-            <a:spAutoFit/>
-          </a:bodyPr>
-          <a:lstStyle/>
-          <a:p>
-            <a:r>
-              <a:rPr lang="zh-CN" altLang="en-US" b="1" dirty="0">
-                <a:solidFill>
-                  <a:schemeClr val="dk1"/>
-                </a:solidFill>
-                <a:latin typeface="PingFang SC" panose="020B0400000000000000" pitchFamily="34" charset="-122"/>
-                <a:ea typeface="PingFang SC" panose="020B0400000000000000" pitchFamily="34" charset="-122"/>
-              </a:rPr>
-              <a:t>注册</a:t>
-            </a:r>
-            <a:endParaRPr lang="zh-CN" altLang="en-US" dirty="0"/>
-          </a:p>
-        </p:txBody>
-      </p:sp>
     </p:spTree>
     <p:extLst>
       <p:ext uri="{BB962C8B-B14F-4D97-AF65-F5344CB8AC3E}">
-        <p14:creationId xmlns:p14="http://schemas.microsoft.com/office/powerpoint/2010/main" val="2525318777"/>
+        <p14:creationId xmlns:p14="http://schemas.microsoft.com/office/powerpoint/2010/main" val="3378311672"/>
       </p:ext>
     </p:extLst>
   </p:cSld>
